--- a/tensorflow/Keras - MNIST 手寫數字辨識使用 CNN.pptx
+++ b/tensorflow/Keras - MNIST 手寫數字辨識使用 CNN.pptx
@@ -8,23 +8,23 @@
     <p:sldId id="256" r:id="rId2"/>
     <p:sldId id="257" r:id="rId3"/>
     <p:sldId id="258" r:id="rId4"/>
-    <p:sldId id="259" r:id="rId5"/>
-    <p:sldId id="260" r:id="rId6"/>
-    <p:sldId id="261" r:id="rId7"/>
-    <p:sldId id="262" r:id="rId8"/>
-    <p:sldId id="263" r:id="rId9"/>
-    <p:sldId id="264" r:id="rId10"/>
-    <p:sldId id="265" r:id="rId11"/>
-    <p:sldId id="266" r:id="rId12"/>
+    <p:sldId id="276" r:id="rId5"/>
+    <p:sldId id="259" r:id="rId6"/>
+    <p:sldId id="260" r:id="rId7"/>
+    <p:sldId id="261" r:id="rId8"/>
+    <p:sldId id="262" r:id="rId9"/>
+    <p:sldId id="263" r:id="rId10"/>
+    <p:sldId id="264" r:id="rId11"/>
+    <p:sldId id="265" r:id="rId12"/>
     <p:sldId id="267" r:id="rId13"/>
     <p:sldId id="268" r:id="rId14"/>
     <p:sldId id="269" r:id="rId15"/>
     <p:sldId id="270" r:id="rId16"/>
     <p:sldId id="271" r:id="rId17"/>
-    <p:sldId id="272" r:id="rId18"/>
-    <p:sldId id="273" r:id="rId19"/>
-    <p:sldId id="274" r:id="rId20"/>
-    <p:sldId id="275" r:id="rId21"/>
+    <p:sldId id="273" r:id="rId18"/>
+    <p:sldId id="274" r:id="rId19"/>
+    <p:sldId id="275" r:id="rId20"/>
+    <p:sldId id="277" r:id="rId21"/>
   </p:sldIdLst>
   <p:sldSz cx="9144000" cy="6858000" type="screen4x3"/>
   <p:notesSz cx="6858000" cy="9144000"/>
@@ -123,6 +123,22 @@
       </a:defRPr>
     </a:lvl9pPr>
   </p:defaultTextStyle>
+  <p:extLst>
+    <p:ext uri="{EFAFB233-063F-42B5-8137-9DF3F51BA10A}">
+      <p15:sldGuideLst xmlns:p15="http://schemas.microsoft.com/office/powerpoint/2012/main">
+        <p15:guide id="1" orient="horz" pos="2160">
+          <p15:clr>
+            <a:srgbClr val="A4A3A4"/>
+          </p15:clr>
+        </p15:guide>
+        <p15:guide id="2" pos="2880">
+          <p15:clr>
+            <a:srgbClr val="A4A3A4"/>
+          </p15:clr>
+        </p15:guide>
+      </p15:sldGuideLst>
+    </p:ext>
+  </p:extLst>
 </p:presentation>
 </file>
 
@@ -3517,11 +3533,11 @@
           <a:p>
             <a:r>
               <a:rPr lang="en-US" altLang="zh-TW" dirty="0"/>
-              <a:t>6. </a:t>
+              <a:t>5. </a:t>
             </a:r>
             <a:r>
               <a:rPr lang="zh-TW" altLang="en-US" dirty="0"/>
-              <a:t>進行神經元訓練</a:t>
+              <a:t>顯示模型摘要</a:t>
             </a:r>
           </a:p>
         </p:txBody>
@@ -3547,7 +3563,7 @@
       </p:sp>
       <p:pic>
         <p:nvPicPr>
-          <p:cNvPr id="9218" name="Picture 2"/>
+          <p:cNvPr id="8194" name="Picture 2"/>
           <p:cNvPicPr>
             <a:picLocks noChangeAspect="1" noChangeArrowheads="1"/>
           </p:cNvPicPr>
@@ -3568,8 +3584,8 @@
         </p:blipFill>
         <p:spPr bwMode="auto">
           <a:xfrm>
-            <a:off x="585788" y="2775992"/>
-            <a:ext cx="7972425" cy="1219200"/>
+            <a:off x="528638" y="1556792"/>
+            <a:ext cx="8086725" cy="4829175"/>
           </a:xfrm>
           <a:prstGeom prst="rect">
             <a:avLst/>
@@ -3612,13 +3628,20 @@
     </p:spTree>
     <p:extLst>
       <p:ext uri="{BB962C8B-B14F-4D97-AF65-F5344CB8AC3E}">
-        <p14:creationId xmlns:p14="http://schemas.microsoft.com/office/powerpoint/2010/main" val="3507082327"/>
+        <p14:creationId xmlns:p14="http://schemas.microsoft.com/office/powerpoint/2010/main" val="427774625"/>
       </p:ext>
     </p:extLst>
   </p:cSld>
   <p:clrMapOvr>
     <a:masterClrMapping/>
   </p:clrMapOvr>
+  <p:timing>
+    <p:tnLst>
+      <p:par>
+        <p:cTn id="1" dur="indefinite" restart="never" nodeType="tmRoot"/>
+      </p:par>
+    </p:tnLst>
+  </p:timing>
 </p:sld>
 </file>
 
@@ -3677,81 +3700,283 @@
         </p:nvSpPr>
         <p:spPr/>
         <p:txBody>
-          <a:bodyPr/>
+          <a:bodyPr>
+            <a:normAutofit/>
+          </a:bodyPr>
           <a:lstStyle/>
           <a:p>
-            <a:endParaRPr lang="zh-TW" altLang="en-US" dirty="0"/>
+            <a:r>
+              <a:rPr lang="zh-TW" altLang="en-US" sz="1800" dirty="0"/>
+              <a:t>模型建好後即可進行訓練 </a:t>
+            </a:r>
+            <a:r>
+              <a:rPr lang="en-US" altLang="zh-TW" sz="1800" dirty="0"/>
+              <a:t>(</a:t>
+            </a:r>
+            <a:r>
+              <a:rPr lang="zh-TW" altLang="en-US" sz="1800" dirty="0"/>
+              <a:t>使用 </a:t>
+            </a:r>
+            <a:r>
+              <a:rPr lang="en-US" altLang="zh-TW" sz="1800" dirty="0"/>
+              <a:t>60000 </a:t>
+            </a:r>
+            <a:r>
+              <a:rPr lang="zh-TW" altLang="en-US" sz="1800" dirty="0"/>
+              <a:t>筆訓練集</a:t>
+            </a:r>
+            <a:r>
+              <a:rPr lang="en-US" altLang="zh-TW" sz="1800" dirty="0"/>
+              <a:t>), </a:t>
+            </a:r>
+            <a:r>
+              <a:rPr lang="zh-TW" altLang="en-US" sz="1800" dirty="0"/>
+              <a:t>訓練前須呼叫 </a:t>
+            </a:r>
+            <a:r>
+              <a:rPr lang="en-US" altLang="zh-TW" sz="1800" dirty="0"/>
+              <a:t>compile() </a:t>
+            </a:r>
+            <a:r>
+              <a:rPr lang="zh-TW" altLang="en-US" sz="1800" dirty="0"/>
+              <a:t>函數進行</a:t>
+            </a:r>
+            <a:r>
+              <a:rPr lang="zh-TW" altLang="en-US" sz="1800" dirty="0" smtClean="0"/>
+              <a:t>設定</a:t>
+            </a:r>
+            <a:endParaRPr lang="en-US" altLang="zh-TW" sz="1800" dirty="0" smtClean="0"/>
+          </a:p>
+          <a:p>
+            <a:endParaRPr lang="en-US" altLang="zh-TW" sz="1800" dirty="0"/>
+          </a:p>
+          <a:p>
+            <a:endParaRPr lang="en-US" altLang="zh-TW" sz="1800" dirty="0" smtClean="0"/>
+          </a:p>
+          <a:p>
+            <a:endParaRPr lang="en-US" altLang="zh-TW" sz="1800" dirty="0" smtClean="0"/>
+          </a:p>
+          <a:p>
+            <a:r>
+              <a:rPr lang="zh-TW" altLang="en-US" sz="1800" dirty="0" smtClean="0"/>
+              <a:t>設定</a:t>
+            </a:r>
+            <a:r>
+              <a:rPr lang="zh-TW" altLang="en-US" sz="1800" dirty="0"/>
+              <a:t>好訓練參數後即可呼叫 </a:t>
+            </a:r>
+            <a:r>
+              <a:rPr lang="en-US" altLang="zh-TW" sz="1800" dirty="0"/>
+              <a:t>fit() </a:t>
+            </a:r>
+            <a:r>
+              <a:rPr lang="zh-TW" altLang="en-US" sz="1800" dirty="0"/>
+              <a:t>函數開始訓練</a:t>
+            </a:r>
+            <a:r>
+              <a:rPr lang="en-US" altLang="zh-TW" sz="1800" dirty="0"/>
+              <a:t>, </a:t>
+            </a:r>
+            <a:r>
+              <a:rPr lang="zh-TW" altLang="en-US" sz="1800" dirty="0"/>
+              <a:t>方式是從 </a:t>
+            </a:r>
+            <a:r>
+              <a:rPr lang="en-US" altLang="zh-TW" sz="1800" dirty="0"/>
+              <a:t>60000 </a:t>
+            </a:r>
+            <a:r>
+              <a:rPr lang="zh-TW" altLang="en-US" sz="1800" dirty="0"/>
+              <a:t>筆訓練集中取 </a:t>
+            </a:r>
+            <a:r>
+              <a:rPr lang="en-US" altLang="zh-TW" sz="1800" dirty="0"/>
+              <a:t>80% (48000 </a:t>
+            </a:r>
+            <a:r>
+              <a:rPr lang="zh-TW" altLang="en-US" sz="1800" dirty="0"/>
+              <a:t>筆</a:t>
+            </a:r>
+            <a:r>
+              <a:rPr lang="en-US" altLang="zh-TW" sz="1800" dirty="0"/>
+              <a:t>) </a:t>
+            </a:r>
+            <a:r>
+              <a:rPr lang="zh-TW" altLang="en-US" sz="1800" dirty="0"/>
+              <a:t>做訓練</a:t>
+            </a:r>
+            <a:r>
+              <a:rPr lang="en-US" altLang="zh-TW" sz="1800" dirty="0"/>
+              <a:t>, 20% (12000 </a:t>
+            </a:r>
+            <a:r>
+              <a:rPr lang="zh-TW" altLang="en-US" sz="1800" dirty="0"/>
+              <a:t>筆</a:t>
+            </a:r>
+            <a:r>
+              <a:rPr lang="en-US" altLang="zh-TW" sz="1800" dirty="0"/>
+              <a:t>) </a:t>
+            </a:r>
+            <a:r>
+              <a:rPr lang="zh-TW" altLang="en-US" sz="1800" dirty="0"/>
+              <a:t>做驗證</a:t>
+            </a:r>
+            <a:r>
+              <a:rPr lang="en-US" altLang="zh-TW" sz="1800" dirty="0"/>
+              <a:t>, </a:t>
+            </a:r>
+            <a:r>
+              <a:rPr lang="zh-TW" altLang="en-US" sz="1800" dirty="0"/>
+              <a:t>共執行 </a:t>
+            </a:r>
+            <a:r>
+              <a:rPr lang="en-US" altLang="zh-TW" sz="1800" dirty="0"/>
+              <a:t>20 </a:t>
+            </a:r>
+            <a:r>
+              <a:rPr lang="zh-TW" altLang="en-US" sz="1800" dirty="0"/>
+              <a:t>次訓練週期 </a:t>
+            </a:r>
+            <a:r>
+              <a:rPr lang="en-US" altLang="zh-TW" sz="1800" dirty="0"/>
+              <a:t>(</a:t>
+            </a:r>
+            <a:r>
+              <a:rPr lang="en-US" altLang="zh-TW" sz="1800" dirty="0" err="1"/>
+              <a:t>epoches</a:t>
+            </a:r>
+            <a:r>
+              <a:rPr lang="en-US" altLang="zh-TW" sz="1800" dirty="0"/>
+              <a:t>), </a:t>
+            </a:r>
+            <a:r>
+              <a:rPr lang="zh-TW" altLang="en-US" sz="1800" dirty="0"/>
+              <a:t>每次訓練時並非一次將 </a:t>
+            </a:r>
+            <a:r>
+              <a:rPr lang="en-US" altLang="zh-TW" sz="1800" dirty="0"/>
+              <a:t>48000 </a:t>
+            </a:r>
+            <a:r>
+              <a:rPr lang="zh-TW" altLang="en-US" sz="1800" dirty="0"/>
+              <a:t>訓練集全部丟進去</a:t>
+            </a:r>
+            <a:r>
+              <a:rPr lang="en-US" altLang="zh-TW" sz="1800" dirty="0"/>
+              <a:t>, </a:t>
+            </a:r>
+            <a:r>
+              <a:rPr lang="zh-TW" altLang="en-US" sz="1800" dirty="0"/>
+              <a:t>而是分批次</a:t>
+            </a:r>
+            <a:r>
+              <a:rPr lang="en-US" altLang="zh-TW" sz="1800" dirty="0"/>
+              <a:t>, </a:t>
+            </a:r>
+            <a:r>
+              <a:rPr lang="zh-TW" altLang="en-US" sz="1800" dirty="0"/>
+              <a:t>每批次取 </a:t>
+            </a:r>
+            <a:r>
+              <a:rPr lang="en-US" altLang="zh-TW" sz="1800" dirty="0"/>
+              <a:t>300 </a:t>
+            </a:r>
+            <a:r>
+              <a:rPr lang="zh-TW" altLang="en-US" sz="1800" dirty="0"/>
+              <a:t>筆資料</a:t>
+            </a:r>
+            <a:r>
+              <a:rPr lang="en-US" altLang="zh-TW" sz="1800" dirty="0"/>
+              <a:t>, </a:t>
+            </a:r>
+            <a:r>
+              <a:rPr lang="zh-TW" altLang="en-US" sz="1800" dirty="0"/>
+              <a:t>因此 </a:t>
+            </a:r>
+            <a:r>
+              <a:rPr lang="en-US" altLang="zh-TW" sz="1800" dirty="0"/>
+              <a:t>48000 </a:t>
+            </a:r>
+            <a:r>
+              <a:rPr lang="zh-TW" altLang="en-US" sz="1800" dirty="0"/>
+              <a:t>筆要分 </a:t>
+            </a:r>
+            <a:r>
+              <a:rPr lang="en-US" altLang="zh-TW" sz="1800" dirty="0"/>
+              <a:t>160 </a:t>
+            </a:r>
+            <a:r>
+              <a:rPr lang="zh-TW" altLang="en-US" sz="1800" dirty="0"/>
+              <a:t>批次才完成一個</a:t>
+            </a:r>
+            <a:r>
+              <a:rPr lang="en-US" altLang="zh-TW" sz="1800" dirty="0"/>
+              <a:t>epoch (</a:t>
+            </a:r>
+            <a:r>
+              <a:rPr lang="zh-TW" altLang="en-US" sz="1800" dirty="0"/>
+              <a:t>訓練週期 </a:t>
+            </a:r>
+            <a:r>
+              <a:rPr lang="en-US" altLang="zh-TW" sz="1800" dirty="0"/>
+              <a:t>)</a:t>
+            </a:r>
+            <a:endParaRPr lang="zh-TW" altLang="en-US" sz="1800" dirty="0"/>
           </a:p>
         </p:txBody>
       </p:sp>
       <p:pic>
         <p:nvPicPr>
-          <p:cNvPr id="10242" name="Picture 2"/>
+          <p:cNvPr id="4" name="圖片 3"/>
           <p:cNvPicPr>
-            <a:picLocks noChangeAspect="1" noChangeArrowheads="1"/>
+            <a:picLocks noChangeAspect="1"/>
           </p:cNvPicPr>
           <p:nvPr/>
         </p:nvPicPr>
         <p:blipFill>
-          <a:blip r:embed="rId2">
-            <a:extLst>
-              <a:ext uri="{28A0092B-C50C-407E-A947-70E740481C1C}">
-                <a14:useLocalDpi xmlns:a14="http://schemas.microsoft.com/office/drawing/2010/main" val="0"/>
-              </a:ext>
-            </a:extLst>
-          </a:blip>
-          <a:srcRect/>
+          <a:blip r:embed="rId2"/>
           <a:stretch>
             <a:fillRect/>
           </a:stretch>
         </p:blipFill>
-        <p:spPr bwMode="auto">
+        <p:spPr>
           <a:xfrm>
-            <a:off x="1905107" y="1340768"/>
-            <a:ext cx="5476959" cy="5386324"/>
+            <a:off x="561975" y="2204864"/>
+            <a:ext cx="8020050" cy="838200"/>
           </a:xfrm>
           <a:prstGeom prst="rect">
             <a:avLst/>
           </a:prstGeom>
-          <a:noFill/>
-          <a:ln>
-            <a:noFill/>
-          </a:ln>
-          <a:effectLst/>
-          <a:extLst>
-            <a:ext uri="{909E8E84-426E-40DD-AFC4-6F175D3DCCD1}">
-              <a14:hiddenFill xmlns:a14="http://schemas.microsoft.com/office/drawing/2010/main">
-                <a:solidFill>
-                  <a:schemeClr val="accent1"/>
-                </a:solidFill>
-              </a14:hiddenFill>
-            </a:ext>
-            <a:ext uri="{91240B29-F687-4F45-9708-019B960494DF}">
-              <a14:hiddenLine xmlns:a14="http://schemas.microsoft.com/office/drawing/2010/main" w="9525">
-                <a:solidFill>
-                  <a:schemeClr val="tx1"/>
-                </a:solidFill>
-                <a:miter lim="800000"/>
-                <a:headEnd/>
-                <a:tailEnd/>
-              </a14:hiddenLine>
-            </a:ext>
-            <a:ext uri="{AF507438-7753-43E0-B8FC-AC1667EBCBE1}">
-              <a14:hiddenEffects xmlns:a14="http://schemas.microsoft.com/office/drawing/2010/main">
-                <a:effectLst>
-                  <a:outerShdw dist="35921" dir="2700000" algn="ctr" rotWithShape="0">
-                    <a:schemeClr val="bg2"/>
-                  </a:outerShdw>
-                </a:effectLst>
-              </a14:hiddenEffects>
-            </a:ext>
-          </a:extLst>
+        </p:spPr>
+      </p:pic>
+      <p:pic>
+        <p:nvPicPr>
+          <p:cNvPr id="5" name="圖片 4"/>
+          <p:cNvPicPr>
+            <a:picLocks noChangeAspect="1"/>
+          </p:cNvPicPr>
+          <p:nvPr/>
+        </p:nvPicPr>
+        <p:blipFill>
+          <a:blip r:embed="rId3"/>
+          <a:stretch>
+            <a:fillRect/>
+          </a:stretch>
+        </p:blipFill>
+        <p:spPr>
+          <a:xfrm>
+            <a:off x="561975" y="4293096"/>
+            <a:ext cx="8020050" cy="1162050"/>
+          </a:xfrm>
+          <a:prstGeom prst="rect">
+            <a:avLst/>
+          </a:prstGeom>
         </p:spPr>
       </p:pic>
     </p:spTree>
     <p:extLst>
       <p:ext uri="{BB962C8B-B14F-4D97-AF65-F5344CB8AC3E}">
-        <p14:creationId xmlns:p14="http://schemas.microsoft.com/office/powerpoint/2010/main" val="432569030"/>
+        <p14:creationId xmlns:p14="http://schemas.microsoft.com/office/powerpoint/2010/main" val="3507082327"/>
       </p:ext>
     </p:extLst>
   </p:cSld>
@@ -3816,75 +4041,100 @@
         </p:nvSpPr>
         <p:spPr/>
         <p:txBody>
-          <a:bodyPr/>
+          <a:bodyPr>
+            <a:normAutofit/>
+          </a:bodyPr>
           <a:lstStyle/>
           <a:p>
-            <a:endParaRPr lang="zh-TW" altLang="en-US" dirty="0"/>
+            <a:r>
+              <a:rPr lang="zh-TW" altLang="en-US" sz="1800" dirty="0"/>
+              <a:t>透過</a:t>
+            </a:r>
+            <a:r>
+              <a:rPr lang="en-US" altLang="zh-TW" sz="1800" dirty="0" err="1"/>
+              <a:t>matplotlib</a:t>
+            </a:r>
+            <a:r>
+              <a:rPr lang="en-US" altLang="zh-TW" sz="1800" dirty="0"/>
+              <a:t> </a:t>
+            </a:r>
+            <a:r>
+              <a:rPr lang="zh-TW" altLang="en-US" sz="1800" dirty="0"/>
+              <a:t>函數來繪製訓練紀錄</a:t>
+            </a:r>
+            <a:r>
+              <a:rPr lang="en-US" altLang="zh-TW" sz="1800" dirty="0"/>
+              <a:t>, </a:t>
+            </a:r>
+            <a:r>
+              <a:rPr lang="zh-TW" altLang="en-US" sz="1800" dirty="0"/>
+              <a:t>描繪誤差值 </a:t>
+            </a:r>
+            <a:r>
+              <a:rPr lang="en-US" altLang="zh-TW" sz="1800" dirty="0"/>
+              <a:t>(loss) </a:t>
+            </a:r>
+            <a:r>
+              <a:rPr lang="zh-TW" altLang="en-US" sz="1800" dirty="0"/>
+              <a:t>與準確度 </a:t>
+            </a:r>
+            <a:r>
+              <a:rPr lang="en-US" altLang="zh-TW" sz="1800" dirty="0"/>
+              <a:t>(</a:t>
+            </a:r>
+            <a:r>
+              <a:rPr lang="en-US" altLang="zh-TW" sz="1800" dirty="0" err="1"/>
+              <a:t>acc</a:t>
+            </a:r>
+            <a:r>
+              <a:rPr lang="en-US" altLang="zh-TW" sz="1800" dirty="0"/>
+              <a:t>) </a:t>
+            </a:r>
+            <a:r>
+              <a:rPr lang="zh-TW" altLang="en-US" sz="1800" dirty="0"/>
+              <a:t>隨 </a:t>
+            </a:r>
+            <a:r>
+              <a:rPr lang="en-US" altLang="zh-TW" sz="1800" dirty="0"/>
+              <a:t>epoch </a:t>
+            </a:r>
+            <a:r>
+              <a:rPr lang="zh-TW" altLang="en-US" sz="1800" dirty="0"/>
+              <a:t>變化的</a:t>
+            </a:r>
+            <a:r>
+              <a:rPr lang="zh-TW" altLang="en-US" sz="1800" dirty="0" smtClean="0"/>
+              <a:t>情形</a:t>
+            </a:r>
+            <a:endParaRPr lang="en-US" altLang="zh-TW" sz="1800" dirty="0" smtClean="0"/>
+          </a:p>
+          <a:p>
+            <a:endParaRPr lang="zh-TW" altLang="en-US" sz="1800" dirty="0"/>
           </a:p>
         </p:txBody>
       </p:sp>
       <p:pic>
         <p:nvPicPr>
-          <p:cNvPr id="11266" name="Picture 2"/>
+          <p:cNvPr id="4" name="圖片 3"/>
           <p:cNvPicPr>
-            <a:picLocks noChangeAspect="1" noChangeArrowheads="1"/>
+            <a:picLocks noChangeAspect="1"/>
           </p:cNvPicPr>
           <p:nvPr/>
         </p:nvPicPr>
         <p:blipFill>
-          <a:blip r:embed="rId2">
-            <a:extLst>
-              <a:ext uri="{28A0092B-C50C-407E-A947-70E740481C1C}">
-                <a14:useLocalDpi xmlns:a14="http://schemas.microsoft.com/office/drawing/2010/main" val="0"/>
-              </a:ext>
-            </a:extLst>
-          </a:blip>
-          <a:srcRect/>
+          <a:blip r:embed="rId2"/>
           <a:stretch>
             <a:fillRect/>
           </a:stretch>
         </p:blipFill>
-        <p:spPr bwMode="auto">
+        <p:spPr>
           <a:xfrm>
-            <a:off x="585788" y="2357438"/>
-            <a:ext cx="7972425" cy="2143125"/>
+            <a:off x="561975" y="2240249"/>
+            <a:ext cx="8020050" cy="1819275"/>
           </a:xfrm>
           <a:prstGeom prst="rect">
             <a:avLst/>
           </a:prstGeom>
-          <a:noFill/>
-          <a:ln>
-            <a:noFill/>
-          </a:ln>
-          <a:effectLst/>
-          <a:extLst>
-            <a:ext uri="{909E8E84-426E-40DD-AFC4-6F175D3DCCD1}">
-              <a14:hiddenFill xmlns:a14="http://schemas.microsoft.com/office/drawing/2010/main">
-                <a:solidFill>
-                  <a:schemeClr val="accent1"/>
-                </a:solidFill>
-              </a14:hiddenFill>
-            </a:ext>
-            <a:ext uri="{91240B29-F687-4F45-9708-019B960494DF}">
-              <a14:hiddenLine xmlns:a14="http://schemas.microsoft.com/office/drawing/2010/main" w="9525">
-                <a:solidFill>
-                  <a:schemeClr val="tx1"/>
-                </a:solidFill>
-                <a:miter lim="800000"/>
-                <a:headEnd/>
-                <a:tailEnd/>
-              </a14:hiddenLine>
-            </a:ext>
-            <a:ext uri="{AF507438-7753-43E0-B8FC-AC1667EBCBE1}">
-              <a14:hiddenEffects xmlns:a14="http://schemas.microsoft.com/office/drawing/2010/main">
-                <a:effectLst>
-                  <a:outerShdw dist="35921" dir="2700000" algn="ctr" rotWithShape="0">
-                    <a:schemeClr val="bg2"/>
-                  </a:outerShdw>
-                </a:effectLst>
-              </a14:hiddenEffects>
-            </a:ext>
-          </a:extLst>
         </p:spPr>
       </p:pic>
     </p:spTree>
@@ -3985,7 +4235,7 @@
         </p:blipFill>
         <p:spPr bwMode="auto">
           <a:xfrm>
-            <a:off x="1259632" y="1844824"/>
+            <a:off x="1566863" y="1844824"/>
             <a:ext cx="6010275" cy="3829050"/>
           </a:xfrm>
           <a:prstGeom prst="rect">
@@ -4233,75 +4483,127 @@
         </p:nvSpPr>
         <p:spPr/>
         <p:txBody>
-          <a:bodyPr/>
+          <a:bodyPr>
+            <a:normAutofit/>
+          </a:bodyPr>
           <a:lstStyle/>
           <a:p>
-            <a:endParaRPr lang="zh-TW" altLang="en-US"/>
+            <a:r>
+              <a:rPr lang="en-US" altLang="zh-TW" sz="1800" dirty="0"/>
+              <a:t>60000 </a:t>
+            </a:r>
+            <a:r>
+              <a:rPr lang="zh-TW" altLang="en-US" sz="1800" dirty="0"/>
+              <a:t>筆訓練集完成模型的 </a:t>
+            </a:r>
+            <a:r>
+              <a:rPr lang="en-US" altLang="zh-TW" sz="1800" dirty="0"/>
+              <a:t>20 </a:t>
+            </a:r>
+            <a:r>
+              <a:rPr lang="zh-TW" altLang="en-US" sz="1800" dirty="0"/>
+              <a:t>個訓練週期後</a:t>
+            </a:r>
+            <a:r>
+              <a:rPr lang="en-US" altLang="zh-TW" sz="1800" dirty="0"/>
+              <a:t>, </a:t>
+            </a:r>
+            <a:r>
+              <a:rPr lang="zh-TW" altLang="en-US" sz="1800" dirty="0"/>
+              <a:t>最後的準確度可達 </a:t>
+            </a:r>
+            <a:r>
+              <a:rPr lang="en-US" altLang="zh-TW" sz="1800" dirty="0"/>
+              <a:t>99%, </a:t>
+            </a:r>
+            <a:r>
+              <a:rPr lang="zh-TW" altLang="en-US" sz="1800" dirty="0"/>
+              <a:t>接下來可呼叫 </a:t>
+            </a:r>
+            <a:r>
+              <a:rPr lang="en-US" altLang="zh-TW" sz="1800" dirty="0"/>
+              <a:t>evaluate() </a:t>
+            </a:r>
+            <a:r>
+              <a:rPr lang="zh-TW" altLang="en-US" sz="1800" dirty="0"/>
+              <a:t>函數來評估此訓練過的模型對 </a:t>
+            </a:r>
+            <a:r>
+              <a:rPr lang="en-US" altLang="zh-TW" sz="1800" dirty="0"/>
+              <a:t>10000 </a:t>
+            </a:r>
+            <a:r>
+              <a:rPr lang="zh-TW" altLang="en-US" sz="1800" dirty="0"/>
+              <a:t>筆測試集之準確度有多少 </a:t>
+            </a:r>
+            <a:r>
+              <a:rPr lang="en-US" altLang="zh-TW" sz="1800" dirty="0"/>
+              <a:t>? </a:t>
+            </a:r>
+            <a:r>
+              <a:rPr lang="zh-TW" altLang="en-US" sz="1800" dirty="0"/>
+              <a:t>傳入參數為測試集之正規化數字圖片以及其 </a:t>
+            </a:r>
+            <a:r>
+              <a:rPr lang="en-US" altLang="zh-TW" sz="1800" dirty="0" err="1"/>
+              <a:t>onehot</a:t>
+            </a:r>
+            <a:r>
+              <a:rPr lang="en-US" altLang="zh-TW" sz="1800" dirty="0"/>
+              <a:t> </a:t>
+            </a:r>
+            <a:r>
+              <a:rPr lang="zh-TW" altLang="en-US" sz="1800" dirty="0"/>
+              <a:t>編碼之標籤</a:t>
+            </a:r>
+            <a:r>
+              <a:rPr lang="en-US" altLang="zh-TW" sz="1800" dirty="0"/>
+              <a:t>, </a:t>
+            </a:r>
+            <a:r>
+              <a:rPr lang="zh-TW" altLang="en-US" sz="1800" dirty="0"/>
+              <a:t>傳回值型態為串列</a:t>
+            </a:r>
+            <a:r>
+              <a:rPr lang="en-US" altLang="zh-TW" sz="1800" dirty="0"/>
+              <a:t>, </a:t>
+            </a:r>
+            <a:r>
+              <a:rPr lang="zh-TW" altLang="en-US" sz="1800" dirty="0"/>
+              <a:t>其中準確率放在索引 </a:t>
+            </a:r>
+            <a:r>
+              <a:rPr lang="en-US" altLang="zh-TW" sz="1800" dirty="0" smtClean="0"/>
+              <a:t>1</a:t>
+            </a:r>
+          </a:p>
+          <a:p>
+            <a:endParaRPr lang="zh-TW" altLang="en-US" sz="1800" dirty="0"/>
           </a:p>
         </p:txBody>
       </p:sp>
       <p:pic>
         <p:nvPicPr>
-          <p:cNvPr id="14338" name="Picture 2"/>
+          <p:cNvPr id="4" name="圖片 3"/>
           <p:cNvPicPr>
-            <a:picLocks noChangeAspect="1" noChangeArrowheads="1"/>
+            <a:picLocks noChangeAspect="1"/>
           </p:cNvPicPr>
           <p:nvPr/>
         </p:nvPicPr>
         <p:blipFill>
-          <a:blip r:embed="rId2">
-            <a:extLst>
-              <a:ext uri="{28A0092B-C50C-407E-A947-70E740481C1C}">
-                <a14:useLocalDpi xmlns:a14="http://schemas.microsoft.com/office/drawing/2010/main" val="0"/>
-              </a:ext>
-            </a:extLst>
-          </a:blip>
-          <a:srcRect/>
+          <a:blip r:embed="rId2"/>
           <a:stretch>
             <a:fillRect/>
           </a:stretch>
         </p:blipFill>
-        <p:spPr bwMode="auto">
+        <p:spPr>
           <a:xfrm>
-            <a:off x="557213" y="3140968"/>
-            <a:ext cx="8029575" cy="1409700"/>
+            <a:off x="547687" y="2947987"/>
+            <a:ext cx="8048625" cy="962025"/>
           </a:xfrm>
           <a:prstGeom prst="rect">
             <a:avLst/>
           </a:prstGeom>
-          <a:noFill/>
-          <a:ln>
-            <a:noFill/>
-          </a:ln>
-          <a:effectLst/>
-          <a:extLst>
-            <a:ext uri="{909E8E84-426E-40DD-AFC4-6F175D3DCCD1}">
-              <a14:hiddenFill xmlns:a14="http://schemas.microsoft.com/office/drawing/2010/main">
-                <a:solidFill>
-                  <a:schemeClr val="accent1"/>
-                </a:solidFill>
-              </a14:hiddenFill>
-            </a:ext>
-            <a:ext uri="{91240B29-F687-4F45-9708-019B960494DF}">
-              <a14:hiddenLine xmlns:a14="http://schemas.microsoft.com/office/drawing/2010/main" w="9525">
-                <a:solidFill>
-                  <a:schemeClr val="tx1"/>
-                </a:solidFill>
-                <a:miter lim="800000"/>
-                <a:headEnd/>
-                <a:tailEnd/>
-              </a14:hiddenLine>
-            </a:ext>
-            <a:ext uri="{AF507438-7753-43E0-B8FC-AC1667EBCBE1}">
-              <a14:hiddenEffects xmlns:a14="http://schemas.microsoft.com/office/drawing/2010/main">
-                <a:effectLst>
-                  <a:outerShdw dist="35921" dir="2700000" algn="ctr" rotWithShape="0">
-                    <a:schemeClr val="bg2"/>
-                  </a:outerShdw>
-                </a:effectLst>
-              </a14:hiddenEffects>
-            </a:ext>
-          </a:extLst>
         </p:spPr>
       </p:pic>
     </p:spTree>
@@ -4372,75 +4674,152 @@
         </p:nvSpPr>
         <p:spPr/>
         <p:txBody>
-          <a:bodyPr/>
+          <a:bodyPr>
+            <a:normAutofit/>
+          </a:bodyPr>
           <a:lstStyle/>
           <a:p>
-            <a:endParaRPr lang="zh-TW" altLang="en-US" dirty="0"/>
+            <a:r>
+              <a:rPr lang="zh-TW" altLang="en-US" sz="1800" dirty="0"/>
+              <a:t>呼叫 </a:t>
+            </a:r>
+            <a:r>
+              <a:rPr lang="en-US" altLang="zh-TW" sz="1800" dirty="0" err="1"/>
+              <a:t>predict_classes</a:t>
+            </a:r>
+            <a:r>
+              <a:rPr lang="en-US" altLang="zh-TW" sz="1800" dirty="0"/>
+              <a:t>() </a:t>
+            </a:r>
+            <a:r>
+              <a:rPr lang="zh-TW" altLang="en-US" sz="1800" dirty="0"/>
+              <a:t>傳入正規化後的測試集陣列 </a:t>
+            </a:r>
+            <a:r>
+              <a:rPr lang="en-US" altLang="zh-TW" sz="1800" dirty="0"/>
+              <a:t>(10000 </a:t>
+            </a:r>
+            <a:r>
+              <a:rPr lang="zh-TW" altLang="en-US" sz="1800" dirty="0"/>
+              <a:t>筆資料</a:t>
+            </a:r>
+            <a:r>
+              <a:rPr lang="en-US" altLang="zh-TW" sz="1800" dirty="0"/>
+              <a:t>) </a:t>
+            </a:r>
+            <a:r>
+              <a:rPr lang="zh-TW" altLang="en-US" sz="1800" dirty="0"/>
+              <a:t>進行預測</a:t>
+            </a:r>
+            <a:r>
+              <a:rPr lang="en-US" altLang="zh-TW" sz="1800" dirty="0"/>
+              <a:t>, </a:t>
+            </a:r>
+            <a:r>
+              <a:rPr lang="zh-TW" altLang="en-US" sz="1800" dirty="0"/>
+              <a:t>結果會放在一個陣列中</a:t>
+            </a:r>
+            <a:r>
+              <a:rPr lang="zh-TW" altLang="en-US" sz="1800" dirty="0" smtClean="0"/>
+              <a:t>傳回</a:t>
+            </a:r>
+            <a:endParaRPr lang="en-US" altLang="zh-TW" sz="1800" dirty="0" smtClean="0"/>
+          </a:p>
+          <a:p>
+            <a:endParaRPr lang="en-US" altLang="zh-TW" sz="1800" dirty="0"/>
+          </a:p>
+          <a:p>
+            <a:endParaRPr lang="en-US" altLang="zh-TW" sz="1800" dirty="0" smtClean="0"/>
+          </a:p>
+          <a:p>
+            <a:endParaRPr lang="en-US" altLang="zh-TW" sz="1800" dirty="0"/>
+          </a:p>
+          <a:p>
+            <a:r>
+              <a:rPr lang="zh-TW" altLang="en-US" sz="1800" dirty="0"/>
+              <a:t>透過</a:t>
+            </a:r>
+            <a:r>
+              <a:rPr lang="en-US" altLang="zh-TW" sz="1800" dirty="0" err="1"/>
+              <a:t>matplotlib</a:t>
+            </a:r>
+            <a:r>
+              <a:rPr lang="zh-TW" altLang="en-US" sz="1800" dirty="0"/>
+              <a:t>製作圖示顯示預測結果</a:t>
+            </a:r>
+            <a:r>
+              <a:rPr lang="en-US" altLang="zh-TW" sz="1800" dirty="0"/>
+              <a:t>, </a:t>
+            </a:r>
+            <a:r>
+              <a:rPr lang="zh-TW" altLang="en-US" sz="1800" dirty="0"/>
+              <a:t>一樣寫成函數方便呼叫</a:t>
+            </a:r>
+            <a:endParaRPr lang="en-US" altLang="zh-TW" sz="1800" dirty="0" smtClean="0"/>
+          </a:p>
+          <a:p>
+            <a:endParaRPr lang="en-US" altLang="zh-TW" sz="1800" dirty="0"/>
+          </a:p>
+          <a:p>
+            <a:endParaRPr lang="en-US" altLang="zh-TW" sz="1800" dirty="0" smtClean="0"/>
+          </a:p>
+          <a:p>
+            <a:endParaRPr lang="en-US" altLang="zh-TW" sz="1800" dirty="0"/>
+          </a:p>
+          <a:p>
+            <a:endParaRPr lang="en-US" altLang="zh-TW" sz="1800" dirty="0" smtClean="0"/>
+          </a:p>
+          <a:p>
+            <a:endParaRPr lang="zh-TW" altLang="en-US" sz="1800" dirty="0"/>
           </a:p>
         </p:txBody>
       </p:sp>
       <p:pic>
         <p:nvPicPr>
-          <p:cNvPr id="15362" name="Picture 2"/>
+          <p:cNvPr id="4" name="圖片 3"/>
           <p:cNvPicPr>
-            <a:picLocks noChangeAspect="1" noChangeArrowheads="1"/>
+            <a:picLocks noChangeAspect="1"/>
           </p:cNvPicPr>
           <p:nvPr/>
         </p:nvPicPr>
         <p:blipFill>
-          <a:blip r:embed="rId2">
-            <a:extLst>
-              <a:ext uri="{28A0092B-C50C-407E-A947-70E740481C1C}">
-                <a14:useLocalDpi xmlns:a14="http://schemas.microsoft.com/office/drawing/2010/main" val="0"/>
-              </a:ext>
-            </a:extLst>
-          </a:blip>
-          <a:srcRect/>
+          <a:blip r:embed="rId2"/>
           <a:stretch>
             <a:fillRect/>
           </a:stretch>
         </p:blipFill>
-        <p:spPr bwMode="auto">
+        <p:spPr>
           <a:xfrm>
-            <a:off x="539552" y="2787717"/>
-            <a:ext cx="8127022" cy="1545704"/>
+            <a:off x="566737" y="2204864"/>
+            <a:ext cx="8010525" cy="990600"/>
           </a:xfrm>
           <a:prstGeom prst="rect">
             <a:avLst/>
           </a:prstGeom>
-          <a:noFill/>
-          <a:ln>
-            <a:noFill/>
-          </a:ln>
-          <a:effectLst/>
-          <a:extLst>
-            <a:ext uri="{909E8E84-426E-40DD-AFC4-6F175D3DCCD1}">
-              <a14:hiddenFill xmlns:a14="http://schemas.microsoft.com/office/drawing/2010/main">
-                <a:solidFill>
-                  <a:schemeClr val="accent1"/>
-                </a:solidFill>
-              </a14:hiddenFill>
-            </a:ext>
-            <a:ext uri="{91240B29-F687-4F45-9708-019B960494DF}">
-              <a14:hiddenLine xmlns:a14="http://schemas.microsoft.com/office/drawing/2010/main" w="9525">
-                <a:solidFill>
-                  <a:schemeClr val="tx1"/>
-                </a:solidFill>
-                <a:miter lim="800000"/>
-                <a:headEnd/>
-                <a:tailEnd/>
-              </a14:hiddenLine>
-            </a:ext>
-            <a:ext uri="{AF507438-7753-43E0-B8FC-AC1667EBCBE1}">
-              <a14:hiddenEffects xmlns:a14="http://schemas.microsoft.com/office/drawing/2010/main">
-                <a:effectLst>
-                  <a:outerShdw dist="35921" dir="2700000" algn="ctr" rotWithShape="0">
-                    <a:schemeClr val="bg2"/>
-                  </a:outerShdw>
-                </a:effectLst>
-              </a14:hiddenEffects>
-            </a:ext>
-          </a:extLst>
+        </p:spPr>
+      </p:pic>
+      <p:pic>
+        <p:nvPicPr>
+          <p:cNvPr id="5" name="圖片 4"/>
+          <p:cNvPicPr>
+            <a:picLocks noChangeAspect="1"/>
+          </p:cNvPicPr>
+          <p:nvPr/>
+        </p:nvPicPr>
+        <p:blipFill>
+          <a:blip r:embed="rId3"/>
+          <a:stretch>
+            <a:fillRect/>
+          </a:stretch>
+        </p:blipFill>
+        <p:spPr>
+          <a:xfrm>
+            <a:off x="557212" y="3573016"/>
+            <a:ext cx="8029575" cy="3114675"/>
+          </a:xfrm>
+          <a:prstGeom prst="rect">
+            <a:avLst/>
+          </a:prstGeom>
         </p:spPr>
       </p:pic>
     </p:spTree>
@@ -4457,145 +4836,6 @@
 </file>
 
 <file path=ppt/slides/slide17.xml><?xml version="1.0" encoding="utf-8"?>
-<p:sld xmlns:a="http://schemas.openxmlformats.org/drawingml/2006/main" xmlns:r="http://schemas.openxmlformats.org/officeDocument/2006/relationships" xmlns:p="http://schemas.openxmlformats.org/presentationml/2006/main">
-  <p:cSld>
-    <p:spTree>
-      <p:nvGrpSpPr>
-        <p:cNvPr id="1" name=""/>
-        <p:cNvGrpSpPr/>
-        <p:nvPr/>
-      </p:nvGrpSpPr>
-      <p:grpSpPr>
-        <a:xfrm>
-          <a:off x="0" y="0"/>
-          <a:ext cx="0" cy="0"/>
-          <a:chOff x="0" y="0"/>
-          <a:chExt cx="0" cy="0"/>
-        </a:xfrm>
-      </p:grpSpPr>
-      <p:sp>
-        <p:nvSpPr>
-          <p:cNvPr id="2" name="標題 1"/>
-          <p:cNvSpPr>
-            <a:spLocks noGrp="1"/>
-          </p:cNvSpPr>
-          <p:nvPr>
-            <p:ph type="title"/>
-          </p:nvPr>
-        </p:nvSpPr>
-        <p:spPr/>
-        <p:txBody>
-          <a:bodyPr/>
-          <a:lstStyle/>
-          <a:p>
-            <a:r>
-              <a:rPr lang="en-US" altLang="zh-TW" dirty="0"/>
-              <a:t>8. </a:t>
-            </a:r>
-            <a:r>
-              <a:rPr lang="zh-TW" altLang="en-US" dirty="0"/>
-              <a:t>預測結果</a:t>
-            </a:r>
-          </a:p>
-        </p:txBody>
-      </p:sp>
-      <p:sp>
-        <p:nvSpPr>
-          <p:cNvPr id="3" name="內容版面配置區 2"/>
-          <p:cNvSpPr>
-            <a:spLocks noGrp="1"/>
-          </p:cNvSpPr>
-          <p:nvPr>
-            <p:ph idx="1"/>
-          </p:nvPr>
-        </p:nvSpPr>
-        <p:spPr/>
-        <p:txBody>
-          <a:bodyPr/>
-          <a:lstStyle/>
-          <a:p>
-            <a:endParaRPr lang="zh-TW" altLang="en-US" dirty="0"/>
-          </a:p>
-        </p:txBody>
-      </p:sp>
-      <p:pic>
-        <p:nvPicPr>
-          <p:cNvPr id="16386" name="Picture 2"/>
-          <p:cNvPicPr>
-            <a:picLocks noChangeAspect="1" noChangeArrowheads="1"/>
-          </p:cNvPicPr>
-          <p:nvPr/>
-        </p:nvPicPr>
-        <p:blipFill>
-          <a:blip r:embed="rId2">
-            <a:extLst>
-              <a:ext uri="{28A0092B-C50C-407E-A947-70E740481C1C}">
-                <a14:useLocalDpi xmlns:a14="http://schemas.microsoft.com/office/drawing/2010/main" val="0"/>
-              </a:ext>
-            </a:extLst>
-          </a:blip>
-          <a:srcRect/>
-          <a:stretch>
-            <a:fillRect/>
-          </a:stretch>
-        </p:blipFill>
-        <p:spPr bwMode="auto">
-          <a:xfrm>
-            <a:off x="547688" y="2204864"/>
-            <a:ext cx="8048625" cy="3476625"/>
-          </a:xfrm>
-          <a:prstGeom prst="rect">
-            <a:avLst/>
-          </a:prstGeom>
-          <a:noFill/>
-          <a:ln>
-            <a:noFill/>
-          </a:ln>
-          <a:effectLst/>
-          <a:extLst>
-            <a:ext uri="{909E8E84-426E-40DD-AFC4-6F175D3DCCD1}">
-              <a14:hiddenFill xmlns:a14="http://schemas.microsoft.com/office/drawing/2010/main">
-                <a:solidFill>
-                  <a:schemeClr val="accent1"/>
-                </a:solidFill>
-              </a14:hiddenFill>
-            </a:ext>
-            <a:ext uri="{91240B29-F687-4F45-9708-019B960494DF}">
-              <a14:hiddenLine xmlns:a14="http://schemas.microsoft.com/office/drawing/2010/main" w="9525">
-                <a:solidFill>
-                  <a:schemeClr val="tx1"/>
-                </a:solidFill>
-                <a:miter lim="800000"/>
-                <a:headEnd/>
-                <a:tailEnd/>
-              </a14:hiddenLine>
-            </a:ext>
-            <a:ext uri="{AF507438-7753-43E0-B8FC-AC1667EBCBE1}">
-              <a14:hiddenEffects xmlns:a14="http://schemas.microsoft.com/office/drawing/2010/main">
-                <a:effectLst>
-                  <a:outerShdw dist="35921" dir="2700000" algn="ctr" rotWithShape="0">
-                    <a:schemeClr val="bg2"/>
-                  </a:outerShdw>
-                </a:effectLst>
-              </a14:hiddenEffects>
-            </a:ext>
-          </a:extLst>
-        </p:spPr>
-      </p:pic>
-    </p:spTree>
-    <p:extLst>
-      <p:ext uri="{BB962C8B-B14F-4D97-AF65-F5344CB8AC3E}">
-        <p14:creationId xmlns:p14="http://schemas.microsoft.com/office/powerpoint/2010/main" val="3614593629"/>
-      </p:ext>
-    </p:extLst>
-  </p:cSld>
-  <p:clrMapOvr>
-    <a:masterClrMapping/>
-  </p:clrMapOvr>
-</p:sld>
-</file>
-
-<file path=ppt/slides/slide18.xml><?xml version="1.0" encoding="utf-8"?>
 <p:sld xmlns:a="http://schemas.openxmlformats.org/drawingml/2006/main" xmlns:r="http://schemas.openxmlformats.org/officeDocument/2006/relationships" xmlns:p="http://schemas.openxmlformats.org/presentationml/2006/main">
   <p:cSld>
     <p:spTree>
@@ -4734,6 +4974,354 @@
 </p:sld>
 </file>
 
+<file path=ppt/slides/slide18.xml><?xml version="1.0" encoding="utf-8"?>
+<p:sld xmlns:a="http://schemas.openxmlformats.org/drawingml/2006/main" xmlns:r="http://schemas.openxmlformats.org/officeDocument/2006/relationships" xmlns:p="http://schemas.openxmlformats.org/presentationml/2006/main">
+  <p:cSld>
+    <p:spTree>
+      <p:nvGrpSpPr>
+        <p:cNvPr id="1" name=""/>
+        <p:cNvGrpSpPr/>
+        <p:nvPr/>
+      </p:nvGrpSpPr>
+      <p:grpSpPr>
+        <a:xfrm>
+          <a:off x="0" y="0"/>
+          <a:ext cx="0" cy="0"/>
+          <a:chOff x="0" y="0"/>
+          <a:chExt cx="0" cy="0"/>
+        </a:xfrm>
+      </p:grpSpPr>
+      <p:sp>
+        <p:nvSpPr>
+          <p:cNvPr id="2" name="標題 1"/>
+          <p:cNvSpPr>
+            <a:spLocks noGrp="1"/>
+          </p:cNvSpPr>
+          <p:nvPr>
+            <p:ph type="title"/>
+          </p:nvPr>
+        </p:nvSpPr>
+        <p:spPr/>
+        <p:txBody>
+          <a:bodyPr/>
+          <a:lstStyle/>
+          <a:p>
+            <a:r>
+              <a:rPr lang="en-US" altLang="zh-TW" dirty="0"/>
+              <a:t>9. </a:t>
+            </a:r>
+            <a:r>
+              <a:rPr lang="zh-TW" altLang="en-US" dirty="0"/>
+              <a:t>顯示混淆矩陣</a:t>
+            </a:r>
+          </a:p>
+        </p:txBody>
+      </p:sp>
+      <p:sp>
+        <p:nvSpPr>
+          <p:cNvPr id="3" name="內容版面配置區 2"/>
+          <p:cNvSpPr>
+            <a:spLocks noGrp="1"/>
+          </p:cNvSpPr>
+          <p:nvPr>
+            <p:ph idx="1"/>
+          </p:nvPr>
+        </p:nvSpPr>
+        <p:spPr/>
+        <p:txBody>
+          <a:bodyPr>
+            <a:normAutofit/>
+          </a:bodyPr>
+          <a:lstStyle/>
+          <a:p>
+            <a:r>
+              <a:rPr lang="zh-TW" altLang="en-US" sz="1800" dirty="0"/>
+              <a:t>使用 </a:t>
+            </a:r>
+            <a:r>
+              <a:rPr lang="en-US" altLang="zh-TW" sz="1800" dirty="0"/>
+              <a:t>pandas </a:t>
+            </a:r>
+            <a:r>
+              <a:rPr lang="zh-TW" altLang="en-US" sz="1800" dirty="0"/>
+              <a:t>套件的 </a:t>
+            </a:r>
+            <a:r>
+              <a:rPr lang="en-US" altLang="zh-TW" sz="1800" dirty="0"/>
+              <a:t>crosstab() </a:t>
+            </a:r>
+            <a:r>
+              <a:rPr lang="zh-TW" altLang="en-US" sz="1800" dirty="0"/>
+              <a:t>函數可用來建立混淆矩陣以觀察那些數字比較會被誤認</a:t>
+            </a:r>
+            <a:r>
+              <a:rPr lang="en-US" altLang="zh-TW" sz="1800" dirty="0"/>
+              <a:t>, </a:t>
+            </a:r>
+            <a:r>
+              <a:rPr lang="zh-TW" altLang="en-US" sz="1800" dirty="0"/>
+              <a:t>傳入參數為測試集的 </a:t>
+            </a:r>
+            <a:r>
+              <a:rPr lang="en-US" altLang="zh-TW" sz="1800" dirty="0"/>
+              <a:t>10000 </a:t>
+            </a:r>
+            <a:r>
+              <a:rPr lang="zh-TW" altLang="en-US" sz="1800" dirty="0"/>
+              <a:t>個標籤 </a:t>
+            </a:r>
+            <a:r>
+              <a:rPr lang="en-US" altLang="zh-TW" sz="1800" dirty="0"/>
+              <a:t>(</a:t>
+            </a:r>
+            <a:r>
+              <a:rPr lang="zh-TW" altLang="en-US" sz="1800" dirty="0"/>
+              <a:t>答案</a:t>
+            </a:r>
+            <a:r>
+              <a:rPr lang="en-US" altLang="zh-TW" sz="1800" dirty="0"/>
+              <a:t>) </a:t>
+            </a:r>
+            <a:r>
+              <a:rPr lang="en-US" altLang="zh-TW" sz="1800" dirty="0" err="1"/>
+              <a:t>y_test_label</a:t>
+            </a:r>
+            <a:r>
+              <a:rPr lang="en-US" altLang="zh-TW" sz="1800" dirty="0"/>
+              <a:t> </a:t>
+            </a:r>
+            <a:r>
+              <a:rPr lang="zh-TW" altLang="en-US" sz="1800" dirty="0"/>
+              <a:t>以及上面得到預測結果 </a:t>
+            </a:r>
+            <a:r>
+              <a:rPr lang="en-US" altLang="zh-TW" sz="1800" dirty="0" smtClean="0"/>
+              <a:t>prediction</a:t>
+            </a:r>
+          </a:p>
+          <a:p>
+            <a:endParaRPr lang="en-US" altLang="zh-TW" sz="1800" dirty="0"/>
+          </a:p>
+          <a:p>
+            <a:endParaRPr lang="en-US" altLang="zh-TW" sz="1800" dirty="0" smtClean="0"/>
+          </a:p>
+          <a:p>
+            <a:endParaRPr lang="en-US" altLang="zh-TW" sz="1800" dirty="0"/>
+          </a:p>
+          <a:p>
+            <a:pPr marL="0" indent="0">
+              <a:buNone/>
+            </a:pPr>
+            <a:endParaRPr lang="en-US" altLang="zh-TW" sz="1800" dirty="0"/>
+          </a:p>
+          <a:p>
+            <a:pPr marL="0" indent="0">
+              <a:buNone/>
+            </a:pPr>
+            <a:endParaRPr lang="en-US" altLang="zh-TW" sz="1800" dirty="0" smtClean="0"/>
+          </a:p>
+          <a:p>
+            <a:pPr marL="0" indent="0">
+              <a:buNone/>
+            </a:pPr>
+            <a:endParaRPr lang="en-US" altLang="zh-TW" sz="1800" dirty="0" smtClean="0"/>
+          </a:p>
+          <a:p>
+            <a:pPr marL="0" indent="0">
+              <a:buNone/>
+            </a:pPr>
+            <a:endParaRPr lang="en-US" altLang="zh-TW" sz="1800" dirty="0"/>
+          </a:p>
+          <a:p>
+            <a:pPr marL="0" indent="0">
+              <a:buNone/>
+            </a:pPr>
+            <a:endParaRPr lang="en-US" altLang="zh-TW" sz="1800" dirty="0" smtClean="0"/>
+          </a:p>
+          <a:p>
+            <a:pPr marL="0" indent="0">
+              <a:buNone/>
+            </a:pPr>
+            <a:endParaRPr lang="en-US" altLang="zh-TW" sz="1800" dirty="0"/>
+          </a:p>
+          <a:p>
+            <a:pPr marL="0" indent="0">
+              <a:buNone/>
+            </a:pPr>
+            <a:endParaRPr lang="en-US" altLang="zh-TW" sz="1800" dirty="0" smtClean="0"/>
+          </a:p>
+          <a:p>
+            <a:pPr marL="0" indent="0">
+              <a:buNone/>
+            </a:pPr>
+            <a:r>
+              <a:rPr lang="zh-TW" altLang="en-US" sz="1800" dirty="0" smtClean="0"/>
+              <a:t>從</a:t>
+            </a:r>
+            <a:r>
+              <a:rPr lang="zh-TW" altLang="en-US" sz="1800" dirty="0"/>
+              <a:t>對角線來看</a:t>
+            </a:r>
+            <a:r>
+              <a:rPr lang="en-US" altLang="zh-TW" sz="1800" dirty="0"/>
+              <a:t>, 5 </a:t>
+            </a:r>
+            <a:r>
+              <a:rPr lang="zh-TW" altLang="en-US" sz="1800" dirty="0"/>
+              <a:t>的辨識率最低</a:t>
+            </a:r>
+            <a:r>
+              <a:rPr lang="en-US" altLang="zh-TW" sz="1800" dirty="0"/>
+              <a:t>, </a:t>
+            </a:r>
+            <a:r>
+              <a:rPr lang="zh-TW" altLang="en-US" sz="1800" dirty="0"/>
+              <a:t>只有 </a:t>
+            </a:r>
+            <a:r>
+              <a:rPr lang="en-US" altLang="zh-TW" sz="1800" dirty="0"/>
+              <a:t>883 </a:t>
+            </a:r>
+            <a:r>
+              <a:rPr lang="zh-TW" altLang="en-US" sz="1800" dirty="0"/>
+              <a:t>次</a:t>
+            </a:r>
+            <a:r>
+              <a:rPr lang="en-US" altLang="zh-TW" sz="1800" dirty="0"/>
+              <a:t>, </a:t>
+            </a:r>
+            <a:r>
+              <a:rPr lang="zh-TW" altLang="en-US" sz="1800" dirty="0"/>
+              <a:t>最容易被混淆</a:t>
+            </a:r>
+            <a:r>
+              <a:rPr lang="en-US" altLang="zh-TW" sz="1800" dirty="0"/>
+              <a:t>; </a:t>
+            </a:r>
+            <a:r>
+              <a:rPr lang="zh-TW" altLang="en-US" sz="1800" dirty="0"/>
+              <a:t>而 </a:t>
+            </a:r>
+            <a:r>
+              <a:rPr lang="en-US" altLang="zh-TW" sz="1800" dirty="0"/>
+              <a:t>1 </a:t>
+            </a:r>
+            <a:r>
+              <a:rPr lang="zh-TW" altLang="en-US" sz="1800" dirty="0"/>
+              <a:t>的辨識率最高</a:t>
+            </a:r>
+            <a:r>
+              <a:rPr lang="en-US" altLang="zh-TW" sz="1800" dirty="0"/>
+              <a:t>, </a:t>
+            </a:r>
+            <a:r>
+              <a:rPr lang="zh-TW" altLang="en-US" sz="1800" dirty="0"/>
+              <a:t>達 </a:t>
+            </a:r>
+            <a:r>
+              <a:rPr lang="en-US" altLang="zh-TW" sz="1800" dirty="0"/>
+              <a:t>1130 </a:t>
+            </a:r>
+            <a:r>
+              <a:rPr lang="zh-TW" altLang="en-US" sz="1800" dirty="0"/>
+              <a:t>次</a:t>
+            </a:r>
+            <a:r>
+              <a:rPr lang="en-US" altLang="zh-TW" sz="1800" dirty="0"/>
+              <a:t>. </a:t>
+            </a:r>
+            <a:r>
+              <a:rPr lang="zh-TW" altLang="en-US" sz="1800" dirty="0"/>
+              <a:t>另外</a:t>
+            </a:r>
+            <a:r>
+              <a:rPr lang="en-US" altLang="zh-TW" sz="1800" dirty="0"/>
+              <a:t>, 4,5,7 </a:t>
+            </a:r>
+            <a:r>
+              <a:rPr lang="zh-TW" altLang="en-US" sz="1800" dirty="0"/>
+              <a:t>最容易被誤認為 </a:t>
+            </a:r>
+            <a:r>
+              <a:rPr lang="en-US" altLang="zh-TW" sz="1800" dirty="0"/>
+              <a:t>9 </a:t>
+            </a:r>
+            <a:r>
+              <a:rPr lang="zh-TW" altLang="en-US" sz="1800" dirty="0"/>
+              <a:t>達</a:t>
+            </a:r>
+            <a:r>
+              <a:rPr lang="en-US" altLang="zh-TW" sz="1800" dirty="0"/>
+              <a:t>4</a:t>
+            </a:r>
+            <a:r>
+              <a:rPr lang="zh-TW" altLang="en-US" sz="1800" dirty="0" smtClean="0"/>
+              <a:t>次</a:t>
+            </a:r>
+            <a:endParaRPr lang="zh-TW" altLang="en-US" sz="1800" dirty="0"/>
+          </a:p>
+        </p:txBody>
+      </p:sp>
+      <p:pic>
+        <p:nvPicPr>
+          <p:cNvPr id="4" name="圖片 3"/>
+          <p:cNvPicPr>
+            <a:picLocks noChangeAspect="1"/>
+          </p:cNvPicPr>
+          <p:nvPr/>
+        </p:nvPicPr>
+        <p:blipFill rotWithShape="1">
+          <a:blip r:embed="rId2"/>
+          <a:srcRect b="84981"/>
+          <a:stretch/>
+        </p:blipFill>
+        <p:spPr>
+          <a:xfrm>
+            <a:off x="901218" y="2492897"/>
+            <a:ext cx="7341564" cy="576064"/>
+          </a:xfrm>
+          <a:prstGeom prst="rect">
+            <a:avLst/>
+          </a:prstGeom>
+        </p:spPr>
+      </p:pic>
+      <p:pic>
+        <p:nvPicPr>
+          <p:cNvPr id="5" name="圖片 4"/>
+          <p:cNvPicPr>
+            <a:picLocks noChangeAspect="1"/>
+          </p:cNvPicPr>
+          <p:nvPr/>
+        </p:nvPicPr>
+        <p:blipFill>
+          <a:blip r:embed="rId3"/>
+          <a:stretch>
+            <a:fillRect/>
+          </a:stretch>
+        </p:blipFill>
+        <p:spPr>
+          <a:xfrm>
+            <a:off x="901218" y="3068960"/>
+            <a:ext cx="3291061" cy="2684414"/>
+          </a:xfrm>
+          <a:prstGeom prst="rect">
+            <a:avLst/>
+          </a:prstGeom>
+        </p:spPr>
+      </p:pic>
+    </p:spTree>
+    <p:extLst>
+      <p:ext uri="{BB962C8B-B14F-4D97-AF65-F5344CB8AC3E}">
+        <p14:creationId xmlns:p14="http://schemas.microsoft.com/office/powerpoint/2010/main" val="3114605321"/>
+      </p:ext>
+    </p:extLst>
+  </p:cSld>
+  <p:clrMapOvr>
+    <a:masterClrMapping/>
+  </p:clrMapOvr>
+</p:sld>
+</file>
+
 <file path=ppt/slides/slide19.xml><?xml version="1.0" encoding="utf-8"?>
 <p:sld xmlns:a="http://schemas.openxmlformats.org/drawingml/2006/main" xmlns:r="http://schemas.openxmlformats.org/officeDocument/2006/relationships" xmlns:p="http://schemas.openxmlformats.org/presentationml/2006/main">
   <p:cSld>
@@ -4763,16 +5351,30 @@
         </p:nvSpPr>
         <p:spPr/>
         <p:txBody>
-          <a:bodyPr/>
+          <a:bodyPr>
+            <a:normAutofit/>
+          </a:bodyPr>
           <a:lstStyle/>
           <a:p>
             <a:r>
-              <a:rPr lang="en-US" altLang="zh-TW" dirty="0"/>
-              <a:t>9. </a:t>
-            </a:r>
-            <a:r>
-              <a:rPr lang="zh-TW" altLang="en-US" dirty="0"/>
-              <a:t>顯示混淆矩陣</a:t>
+              <a:rPr lang="en-US" altLang="zh-TW" sz="3200" dirty="0"/>
+              <a:t>10. </a:t>
+            </a:r>
+            <a:r>
+              <a:rPr lang="zh-TW" altLang="en-US" sz="3200" dirty="0"/>
+              <a:t>利用 </a:t>
+            </a:r>
+            <a:r>
+              <a:rPr lang="en-US" altLang="zh-TW" sz="3200" dirty="0" err="1"/>
+              <a:t>DataFrame</a:t>
+            </a:r>
+            <a:r>
+              <a:rPr lang="en-US" altLang="zh-TW" sz="3200" dirty="0"/>
+              <a:t> </a:t>
+            </a:r>
+            <a:r>
+              <a:rPr lang="zh-TW" altLang="en-US" sz="3200" dirty="0"/>
+              <a:t>找出哪些測試樣本被誤認</a:t>
             </a:r>
           </a:p>
         </p:txBody>
@@ -4789,81 +5391,115 @@
         </p:nvSpPr>
         <p:spPr/>
         <p:txBody>
-          <a:bodyPr/>
+          <a:bodyPr>
+            <a:normAutofit/>
+          </a:bodyPr>
           <a:lstStyle/>
           <a:p>
-            <a:endParaRPr lang="zh-TW" altLang="en-US"/>
+            <a:r>
+              <a:rPr lang="zh-TW" altLang="en-US" sz="1800" dirty="0"/>
+              <a:t>可以利用 </a:t>
+            </a:r>
+            <a:r>
+              <a:rPr lang="en-US" altLang="zh-TW" sz="1800" dirty="0"/>
+              <a:t>pandas </a:t>
+            </a:r>
+            <a:r>
+              <a:rPr lang="zh-TW" altLang="en-US" sz="1800" dirty="0"/>
+              <a:t>的 </a:t>
+            </a:r>
+            <a:r>
+              <a:rPr lang="en-US" altLang="zh-TW" sz="1800" dirty="0" err="1"/>
+              <a:t>DataFrame</a:t>
+            </a:r>
+            <a:r>
+              <a:rPr lang="en-US" altLang="zh-TW" sz="1800" dirty="0"/>
+              <a:t> </a:t>
+            </a:r>
+            <a:r>
+              <a:rPr lang="zh-TW" altLang="en-US" sz="1800" dirty="0"/>
+              <a:t>找出被誤認的測試樣本是哪些索引</a:t>
+            </a:r>
+            <a:r>
+              <a:rPr lang="en-US" altLang="zh-TW" sz="1800" dirty="0"/>
+              <a:t>, </a:t>
+            </a:r>
+            <a:r>
+              <a:rPr lang="zh-TW" altLang="en-US" sz="1800" dirty="0"/>
+              <a:t>首先將測試集標籤 </a:t>
+            </a:r>
+            <a:r>
+              <a:rPr lang="en-US" altLang="zh-TW" sz="1800" dirty="0" err="1"/>
+              <a:t>y_test_label</a:t>
+            </a:r>
+            <a:r>
+              <a:rPr lang="en-US" altLang="zh-TW" sz="1800" dirty="0"/>
+              <a:t> </a:t>
+            </a:r>
+            <a:r>
+              <a:rPr lang="zh-TW" altLang="en-US" sz="1800" dirty="0"/>
+              <a:t>與預測結果 </a:t>
+            </a:r>
+            <a:r>
+              <a:rPr lang="en-US" altLang="zh-TW" sz="1800" dirty="0"/>
+              <a:t>prediction </a:t>
+            </a:r>
+            <a:r>
+              <a:rPr lang="zh-TW" altLang="en-US" sz="1800" dirty="0"/>
+              <a:t>組成 </a:t>
+            </a:r>
+            <a:r>
+              <a:rPr lang="en-US" altLang="zh-TW" sz="1800" dirty="0" err="1"/>
+              <a:t>DataFrame</a:t>
+            </a:r>
+            <a:r>
+              <a:rPr lang="en-US" altLang="zh-TW" sz="1800" dirty="0"/>
+              <a:t> </a:t>
+            </a:r>
+            <a:r>
+              <a:rPr lang="zh-TW" altLang="en-US" sz="1800" dirty="0"/>
+              <a:t>物件</a:t>
+            </a:r>
+            <a:r>
+              <a:rPr lang="en-US" altLang="zh-TW" sz="1800" dirty="0"/>
+              <a:t>, </a:t>
+            </a:r>
+            <a:r>
+              <a:rPr lang="zh-TW" altLang="en-US" sz="1800" dirty="0"/>
+              <a:t>利用欄位的條件式即可找出被誤認的測試樣本</a:t>
+            </a:r>
+            <a:endParaRPr lang="zh-TW" altLang="en-US" sz="1800" dirty="0"/>
           </a:p>
         </p:txBody>
       </p:sp>
       <p:pic>
         <p:nvPicPr>
-          <p:cNvPr id="18434" name="Picture 2"/>
+          <p:cNvPr id="4" name="圖片 3"/>
           <p:cNvPicPr>
-            <a:picLocks noChangeAspect="1" noChangeArrowheads="1"/>
+            <a:picLocks noChangeAspect="1"/>
           </p:cNvPicPr>
           <p:nvPr/>
         </p:nvPicPr>
         <p:blipFill>
-          <a:blip r:embed="rId2">
-            <a:extLst>
-              <a:ext uri="{28A0092B-C50C-407E-A947-70E740481C1C}">
-                <a14:useLocalDpi xmlns:a14="http://schemas.microsoft.com/office/drawing/2010/main" val="0"/>
-              </a:ext>
-            </a:extLst>
-          </a:blip>
-          <a:srcRect/>
+          <a:blip r:embed="rId2"/>
           <a:stretch>
             <a:fillRect/>
           </a:stretch>
         </p:blipFill>
-        <p:spPr bwMode="auto">
+        <p:spPr>
           <a:xfrm>
-            <a:off x="570426" y="1412776"/>
-            <a:ext cx="8020050" cy="5133975"/>
+            <a:off x="561975" y="2492896"/>
+            <a:ext cx="8020050" cy="2352675"/>
           </a:xfrm>
           <a:prstGeom prst="rect">
             <a:avLst/>
           </a:prstGeom>
-          <a:noFill/>
-          <a:ln>
-            <a:noFill/>
-          </a:ln>
-          <a:effectLst/>
-          <a:extLst>
-            <a:ext uri="{909E8E84-426E-40DD-AFC4-6F175D3DCCD1}">
-              <a14:hiddenFill xmlns:a14="http://schemas.microsoft.com/office/drawing/2010/main">
-                <a:solidFill>
-                  <a:schemeClr val="accent1"/>
-                </a:solidFill>
-              </a14:hiddenFill>
-            </a:ext>
-            <a:ext uri="{91240B29-F687-4F45-9708-019B960494DF}">
-              <a14:hiddenLine xmlns:a14="http://schemas.microsoft.com/office/drawing/2010/main" w="9525">
-                <a:solidFill>
-                  <a:schemeClr val="tx1"/>
-                </a:solidFill>
-                <a:miter lim="800000"/>
-                <a:headEnd/>
-                <a:tailEnd/>
-              </a14:hiddenLine>
-            </a:ext>
-            <a:ext uri="{AF507438-7753-43E0-B8FC-AC1667EBCBE1}">
-              <a14:hiddenEffects xmlns:a14="http://schemas.microsoft.com/office/drawing/2010/main">
-                <a:effectLst>
-                  <a:outerShdw dist="35921" dir="2700000" algn="ctr" rotWithShape="0">
-                    <a:schemeClr val="bg2"/>
-                  </a:outerShdw>
-                </a:effectLst>
-              </a14:hiddenEffects>
-            </a:ext>
-          </a:extLst>
         </p:spPr>
       </p:pic>
     </p:spTree>
     <p:extLst>
       <p:ext uri="{BB962C8B-B14F-4D97-AF65-F5344CB8AC3E}">
-        <p14:creationId xmlns:p14="http://schemas.microsoft.com/office/powerpoint/2010/main" val="3114605321"/>
+        <p14:creationId xmlns:p14="http://schemas.microsoft.com/office/powerpoint/2010/main" val="3841676236"/>
       </p:ext>
     </p:extLst>
   </p:cSld>
@@ -5038,46 +5674,6 @@
       </p:grpSpPr>
       <p:sp>
         <p:nvSpPr>
-          <p:cNvPr id="2" name="標題 1"/>
-          <p:cNvSpPr>
-            <a:spLocks noGrp="1"/>
-          </p:cNvSpPr>
-          <p:nvPr>
-            <p:ph type="title"/>
-          </p:nvPr>
-        </p:nvSpPr>
-        <p:spPr/>
-        <p:txBody>
-          <a:bodyPr>
-            <a:normAutofit/>
-          </a:bodyPr>
-          <a:lstStyle/>
-          <a:p>
-            <a:r>
-              <a:rPr lang="en-US" altLang="zh-TW" sz="3200" dirty="0"/>
-              <a:t>10. </a:t>
-            </a:r>
-            <a:r>
-              <a:rPr lang="zh-TW" altLang="en-US" sz="3200" dirty="0"/>
-              <a:t>利用 </a:t>
-            </a:r>
-            <a:r>
-              <a:rPr lang="en-US" altLang="zh-TW" sz="3200" dirty="0" err="1"/>
-              <a:t>DataFrame</a:t>
-            </a:r>
-            <a:r>
-              <a:rPr lang="en-US" altLang="zh-TW" sz="3200" dirty="0"/>
-              <a:t> </a:t>
-            </a:r>
-            <a:r>
-              <a:rPr lang="zh-TW" altLang="en-US" sz="3200" dirty="0"/>
-              <a:t>找出哪些測試樣本被誤認</a:t>
-            </a:r>
-          </a:p>
-        </p:txBody>
-      </p:sp>
-      <p:sp>
-        <p:nvSpPr>
           <p:cNvPr id="3" name="內容版面配置區 2"/>
           <p:cNvSpPr>
             <a:spLocks noGrp="1"/>
@@ -5086,83 +5682,50 @@
             <p:ph idx="1"/>
           </p:nvPr>
         </p:nvSpPr>
-        <p:spPr/>
+        <p:spPr>
+          <a:xfrm>
+            <a:off x="457200" y="3068960"/>
+            <a:ext cx="8229600" cy="820688"/>
+          </a:xfrm>
+        </p:spPr>
         <p:txBody>
           <a:bodyPr/>
           <a:lstStyle/>
           <a:p>
-            <a:endParaRPr lang="zh-TW" altLang="en-US"/>
-          </a:p>
-        </p:txBody>
-      </p:sp>
-      <p:pic>
-        <p:nvPicPr>
-          <p:cNvPr id="19458" name="Picture 2"/>
-          <p:cNvPicPr>
-            <a:picLocks noChangeAspect="1" noChangeArrowheads="1"/>
-          </p:cNvPicPr>
-          <p:nvPr/>
-        </p:nvPicPr>
-        <p:blipFill>
-          <a:blip r:embed="rId2">
-            <a:extLst>
-              <a:ext uri="{28A0092B-C50C-407E-A947-70E740481C1C}">
-                <a14:useLocalDpi xmlns:a14="http://schemas.microsoft.com/office/drawing/2010/main" val="0"/>
-              </a:ext>
-            </a:extLst>
-          </a:blip>
-          <a:srcRect/>
-          <a:stretch>
-            <a:fillRect/>
-          </a:stretch>
-        </p:blipFill>
-        <p:spPr bwMode="auto">
-          <a:xfrm>
-            <a:off x="566738" y="2276872"/>
-            <a:ext cx="8010525" cy="2695575"/>
-          </a:xfrm>
-          <a:prstGeom prst="rect">
-            <a:avLst/>
-          </a:prstGeom>
-          <a:noFill/>
-          <a:ln>
-            <a:noFill/>
-          </a:ln>
-          <a:effectLst/>
-          <a:extLst>
-            <a:ext uri="{909E8E84-426E-40DD-AFC4-6F175D3DCCD1}">
-              <a14:hiddenFill xmlns:a14="http://schemas.microsoft.com/office/drawing/2010/main">
-                <a:solidFill>
-                  <a:schemeClr val="accent1"/>
-                </a:solidFill>
-              </a14:hiddenFill>
-            </a:ext>
-            <a:ext uri="{91240B29-F687-4F45-9708-019B960494DF}">
-              <a14:hiddenLine xmlns:a14="http://schemas.microsoft.com/office/drawing/2010/main" w="9525">
-                <a:solidFill>
-                  <a:schemeClr val="tx1"/>
-                </a:solidFill>
-                <a:miter lim="800000"/>
-                <a:headEnd/>
-                <a:tailEnd/>
-              </a14:hiddenLine>
-            </a:ext>
-            <a:ext uri="{AF507438-7753-43E0-B8FC-AC1667EBCBE1}">
-              <a14:hiddenEffects xmlns:a14="http://schemas.microsoft.com/office/drawing/2010/main">
-                <a:effectLst>
-                  <a:outerShdw dist="35921" dir="2700000" algn="ctr" rotWithShape="0">
-                    <a:schemeClr val="bg2"/>
-                  </a:outerShdw>
-                </a:effectLst>
-              </a14:hiddenEffects>
-            </a:ext>
-          </a:extLst>
-        </p:spPr>
-      </p:pic>
+            <a:pPr marL="0" indent="0">
+              <a:buNone/>
+            </a:pPr>
+            <a:r>
+              <a:rPr lang="en-US" altLang="zh-TW" dirty="0" err="1" smtClean="0"/>
+              <a:t>Github</a:t>
+            </a:r>
+            <a:r>
+              <a:rPr lang="zh-TW" altLang="en-US" dirty="0" smtClean="0"/>
+              <a:t>程式執行結果</a:t>
+            </a:r>
+            <a:r>
+              <a:rPr lang="en-US" altLang="zh-TW" dirty="0" smtClean="0"/>
+              <a:t>:</a:t>
+            </a:r>
+          </a:p>
+          <a:p>
+            <a:pPr marL="0" indent="0">
+              <a:buNone/>
+            </a:pPr>
+            <a:r>
+              <a:rPr lang="en-US" altLang="zh-TW" sz="1400" dirty="0">
+                <a:hlinkClick r:id="rId2"/>
+              </a:rPr>
+              <a:t>https://github.com/MtFeather/AI-and-Security/blob/master/tensorflow/Keras_Mnist_CNN.ipynb</a:t>
+            </a:r>
+            <a:endParaRPr lang="zh-TW" altLang="en-US" sz="1400" dirty="0"/>
+          </a:p>
+        </p:txBody>
+      </p:sp>
     </p:spTree>
     <p:extLst>
       <p:ext uri="{BB962C8B-B14F-4D97-AF65-F5344CB8AC3E}">
-        <p14:creationId xmlns:p14="http://schemas.microsoft.com/office/powerpoint/2010/main" val="3841676236"/>
+        <p14:creationId xmlns:p14="http://schemas.microsoft.com/office/powerpoint/2010/main" val="3604682039"/>
       </p:ext>
     </p:extLst>
   </p:cSld>
@@ -5227,75 +5790,315 @@
         </p:nvSpPr>
         <p:spPr/>
         <p:txBody>
-          <a:bodyPr/>
+          <a:bodyPr>
+            <a:normAutofit/>
+          </a:bodyPr>
           <a:lstStyle/>
           <a:p>
-            <a:endParaRPr lang="zh-TW" altLang="en-US" dirty="0"/>
+            <a:r>
+              <a:rPr lang="zh-TW" altLang="en-US" sz="1800" dirty="0"/>
+              <a:t>訓練集有 </a:t>
+            </a:r>
+            <a:r>
+              <a:rPr lang="en-US" altLang="zh-TW" sz="1800" dirty="0"/>
+              <a:t>60000 </a:t>
+            </a:r>
+            <a:r>
+              <a:rPr lang="zh-TW" altLang="en-US" sz="1800" dirty="0"/>
+              <a:t>個</a:t>
+            </a:r>
+            <a:r>
+              <a:rPr lang="en-US" altLang="zh-TW" sz="1800" dirty="0"/>
+              <a:t>; </a:t>
+            </a:r>
+            <a:r>
+              <a:rPr lang="zh-TW" altLang="en-US" sz="1800" dirty="0"/>
+              <a:t>測試集有 </a:t>
+            </a:r>
+            <a:r>
+              <a:rPr lang="en-US" altLang="zh-TW" sz="1800" dirty="0"/>
+              <a:t>10000 </a:t>
+            </a:r>
+            <a:r>
+              <a:rPr lang="zh-TW" altLang="en-US" sz="1800" dirty="0"/>
+              <a:t>個，第二與第三元素表示此二維陣列因次為 </a:t>
+            </a:r>
+            <a:r>
+              <a:rPr lang="en-US" altLang="zh-TW" sz="1800" dirty="0"/>
+              <a:t>28x28</a:t>
+            </a:r>
+            <a:r>
+              <a:rPr lang="zh-TW" altLang="en-US" sz="1800" dirty="0"/>
+              <a:t>，分別為 </a:t>
+            </a:r>
+            <a:r>
+              <a:rPr lang="en-US" altLang="zh-TW" sz="1800" dirty="0"/>
+              <a:t>x </a:t>
+            </a:r>
+            <a:r>
+              <a:rPr lang="zh-TW" altLang="en-US" sz="1800" dirty="0"/>
+              <a:t>軸與 </a:t>
+            </a:r>
+            <a:r>
+              <a:rPr lang="en-US" altLang="zh-TW" sz="1800" dirty="0" smtClean="0"/>
+              <a:t>y </a:t>
+            </a:r>
+            <a:r>
+              <a:rPr lang="zh-TW" altLang="en-US" sz="1800" dirty="0"/>
+              <a:t>軸畫素個數</a:t>
+            </a:r>
+            <a:r>
+              <a:rPr lang="en-US" altLang="zh-TW" sz="1800" dirty="0"/>
+              <a:t>. </a:t>
+            </a:r>
+            <a:r>
+              <a:rPr lang="zh-TW" altLang="en-US" sz="1800" dirty="0"/>
+              <a:t>用索引即可取得圖片</a:t>
+            </a:r>
+            <a:r>
+              <a:rPr lang="zh-TW" altLang="en-US" sz="1800" dirty="0" smtClean="0"/>
+              <a:t>內容</a:t>
+            </a:r>
+            <a:endParaRPr lang="en-US" altLang="zh-TW" sz="1800" dirty="0" smtClean="0"/>
+          </a:p>
+          <a:p>
+            <a:endParaRPr lang="en-US" altLang="zh-TW" sz="1800" dirty="0"/>
+          </a:p>
+          <a:p>
+            <a:endParaRPr lang="en-US" altLang="zh-TW" sz="1800" dirty="0" smtClean="0"/>
+          </a:p>
+          <a:p>
+            <a:r>
+              <a:rPr lang="zh-TW" altLang="en-US" sz="1800" dirty="0" smtClean="0"/>
+              <a:t>接著</a:t>
+            </a:r>
+            <a:r>
+              <a:rPr lang="zh-TW" altLang="en-US" sz="1800" dirty="0"/>
+              <a:t>是呼叫 </a:t>
+            </a:r>
+            <a:r>
+              <a:rPr lang="en-US" altLang="zh-TW" sz="1800" dirty="0"/>
+              <a:t>reshape() </a:t>
+            </a:r>
+            <a:r>
+              <a:rPr lang="zh-TW" altLang="en-US" sz="1800" dirty="0"/>
+              <a:t>函數將陣列轉換成 </a:t>
+            </a:r>
+            <a:r>
+              <a:rPr lang="en-US" altLang="zh-TW" sz="1800" dirty="0"/>
+              <a:t>float32 </a:t>
+            </a:r>
+            <a:r>
+              <a:rPr lang="zh-TW" altLang="en-US" sz="1800" dirty="0"/>
+              <a:t>浮點數，</a:t>
+            </a:r>
+            <a:r>
+              <a:rPr lang="en-US" altLang="zh-TW" sz="1800" dirty="0"/>
+              <a:t>reshape() </a:t>
+            </a:r>
+            <a:r>
+              <a:rPr lang="zh-TW" altLang="en-US" sz="1800" dirty="0"/>
+              <a:t>需傳入 </a:t>
+            </a:r>
+            <a:r>
+              <a:rPr lang="en-US" altLang="zh-TW" sz="1800" dirty="0"/>
+              <a:t>4 </a:t>
+            </a:r>
+            <a:r>
+              <a:rPr lang="zh-TW" altLang="en-US" sz="1800" dirty="0"/>
+              <a:t>個參數 </a:t>
+            </a:r>
+            <a:r>
+              <a:rPr lang="en-US" altLang="zh-TW" sz="1800" dirty="0"/>
+              <a:t>: </a:t>
+            </a:r>
+            <a:r>
+              <a:rPr lang="zh-TW" altLang="en-US" sz="1800" dirty="0"/>
+              <a:t>第一參數仍是陣列元素個數</a:t>
+            </a:r>
+            <a:r>
+              <a:rPr lang="en-US" altLang="zh-TW" sz="1800" dirty="0"/>
+              <a:t>, </a:t>
+            </a:r>
+            <a:r>
+              <a:rPr lang="zh-TW" altLang="en-US" sz="1800" dirty="0"/>
+              <a:t>第二與第三參數是二維陣列之因次 </a:t>
+            </a:r>
+            <a:r>
+              <a:rPr lang="en-US" altLang="zh-TW" sz="1800" dirty="0"/>
+              <a:t>(</a:t>
+            </a:r>
+            <a:r>
+              <a:rPr lang="zh-TW" altLang="en-US" sz="1800" dirty="0"/>
+              <a:t>即列與行解析度</a:t>
+            </a:r>
+            <a:r>
+              <a:rPr lang="en-US" altLang="zh-TW" sz="1800" dirty="0"/>
+              <a:t>), </a:t>
+            </a:r>
+            <a:r>
+              <a:rPr lang="zh-TW" altLang="en-US" sz="1800" dirty="0"/>
+              <a:t>第四參數是色版數目</a:t>
+            </a:r>
+            <a:r>
+              <a:rPr lang="en-US" altLang="zh-TW" sz="1800" dirty="0"/>
+              <a:t>, </a:t>
+            </a:r>
+            <a:r>
+              <a:rPr lang="zh-TW" altLang="en-US" sz="1800" dirty="0"/>
+              <a:t>因 </a:t>
+            </a:r>
+            <a:r>
+              <a:rPr lang="en-US" altLang="zh-TW" sz="1800" dirty="0"/>
+              <a:t>MNIST </a:t>
+            </a:r>
+            <a:r>
+              <a:rPr lang="zh-TW" altLang="en-US" sz="1800" dirty="0"/>
+              <a:t>資料集是單色灰階</a:t>
+            </a:r>
+            <a:r>
+              <a:rPr lang="en-US" altLang="zh-TW" sz="1800" dirty="0"/>
+              <a:t>, </a:t>
+            </a:r>
+            <a:r>
+              <a:rPr lang="zh-TW" altLang="en-US" sz="1800" dirty="0"/>
+              <a:t>故傳入 </a:t>
+            </a:r>
+            <a:r>
+              <a:rPr lang="en-US" altLang="zh-TW" sz="1800" dirty="0" smtClean="0"/>
+              <a:t>1</a:t>
+            </a:r>
+          </a:p>
+          <a:p>
+            <a:endParaRPr lang="en-US" altLang="zh-TW" sz="1800" dirty="0"/>
+          </a:p>
+          <a:p>
+            <a:endParaRPr lang="en-US" altLang="zh-TW" sz="1800" dirty="0" smtClean="0"/>
+          </a:p>
+          <a:p>
+            <a:endParaRPr lang="en-US" altLang="zh-TW" sz="1800" dirty="0" smtClean="0"/>
+          </a:p>
+          <a:p>
+            <a:r>
+              <a:rPr lang="zh-TW" altLang="en-US" sz="1800" dirty="0" smtClean="0"/>
+              <a:t>一樣</a:t>
+            </a:r>
+            <a:r>
+              <a:rPr lang="zh-TW" altLang="en-US" sz="1800" dirty="0"/>
+              <a:t>是用除以畫素最大值 </a:t>
+            </a:r>
+            <a:r>
+              <a:rPr lang="en-US" altLang="zh-TW" sz="1800" dirty="0"/>
+              <a:t>255 </a:t>
+            </a:r>
+            <a:r>
+              <a:rPr lang="zh-TW" altLang="en-US" sz="1800" dirty="0"/>
+              <a:t>的方法將圖片正規化 </a:t>
+            </a:r>
+            <a:r>
+              <a:rPr lang="en-US" altLang="zh-TW" sz="1800" dirty="0"/>
+              <a:t>(Normalization), </a:t>
+            </a:r>
+            <a:r>
+              <a:rPr lang="zh-TW" altLang="en-US" sz="1800" dirty="0"/>
+              <a:t>亦即 </a:t>
+            </a:r>
+            <a:r>
+              <a:rPr lang="en-US" altLang="zh-TW" sz="1800" dirty="0"/>
+              <a:t>0~255 </a:t>
+            </a:r>
+            <a:r>
+              <a:rPr lang="zh-TW" altLang="en-US" sz="1800" dirty="0"/>
+              <a:t>的像素值就全部變成 </a:t>
+            </a:r>
+            <a:r>
+              <a:rPr lang="en-US" altLang="zh-TW" sz="1800" dirty="0"/>
+              <a:t>0~1 </a:t>
+            </a:r>
+            <a:r>
+              <a:rPr lang="zh-TW" altLang="en-US" sz="1800" dirty="0"/>
+              <a:t>之值了</a:t>
+            </a:r>
+            <a:endParaRPr lang="en-US" altLang="zh-TW" sz="1800" dirty="0" smtClean="0"/>
+          </a:p>
+          <a:p>
+            <a:endParaRPr lang="en-US" altLang="zh-TW" sz="1800" dirty="0" smtClean="0"/>
+          </a:p>
+          <a:p>
+            <a:endParaRPr lang="zh-TW" altLang="en-US" sz="1800" dirty="0"/>
           </a:p>
         </p:txBody>
       </p:sp>
       <p:pic>
         <p:nvPicPr>
-          <p:cNvPr id="2050" name="Picture 2"/>
+          <p:cNvPr id="5" name="圖片 4"/>
           <p:cNvPicPr>
-            <a:picLocks noChangeAspect="1" noChangeArrowheads="1"/>
+            <a:picLocks noChangeAspect="1"/>
           </p:cNvPicPr>
           <p:nvPr/>
         </p:nvPicPr>
         <p:blipFill>
-          <a:blip r:embed="rId2">
-            <a:extLst>
-              <a:ext uri="{28A0092B-C50C-407E-A947-70E740481C1C}">
-                <a14:useLocalDpi xmlns:a14="http://schemas.microsoft.com/office/drawing/2010/main" val="0"/>
-              </a:ext>
-            </a:extLst>
-          </a:blip>
-          <a:srcRect/>
+          <a:blip r:embed="rId2"/>
           <a:stretch>
             <a:fillRect/>
           </a:stretch>
         </p:blipFill>
-        <p:spPr bwMode="auto">
+        <p:spPr>
           <a:xfrm>
-            <a:off x="561975" y="1988840"/>
-            <a:ext cx="8020050" cy="3914775"/>
+            <a:off x="533400" y="2204864"/>
+            <a:ext cx="8077200" cy="400050"/>
           </a:xfrm>
           <a:prstGeom prst="rect">
             <a:avLst/>
           </a:prstGeom>
-          <a:noFill/>
-          <a:ln>
-            <a:noFill/>
-          </a:ln>
-          <a:effectLst/>
-          <a:extLst>
-            <a:ext uri="{909E8E84-426E-40DD-AFC4-6F175D3DCCD1}">
-              <a14:hiddenFill xmlns:a14="http://schemas.microsoft.com/office/drawing/2010/main">
-                <a:solidFill>
-                  <a:schemeClr val="accent1"/>
-                </a:solidFill>
-              </a14:hiddenFill>
-            </a:ext>
-            <a:ext uri="{91240B29-F687-4F45-9708-019B960494DF}">
-              <a14:hiddenLine xmlns:a14="http://schemas.microsoft.com/office/drawing/2010/main" w="9525">
-                <a:solidFill>
-                  <a:schemeClr val="tx1"/>
-                </a:solidFill>
-                <a:miter lim="800000"/>
-                <a:headEnd/>
-                <a:tailEnd/>
-              </a14:hiddenLine>
-            </a:ext>
-            <a:ext uri="{AF507438-7753-43E0-B8FC-AC1667EBCBE1}">
-              <a14:hiddenEffects xmlns:a14="http://schemas.microsoft.com/office/drawing/2010/main">
-                <a:effectLst>
-                  <a:outerShdw dist="35921" dir="2700000" algn="ctr" rotWithShape="0">
-                    <a:schemeClr val="bg2"/>
-                  </a:outerShdw>
-                </a:effectLst>
-              </a14:hiddenEffects>
-            </a:ext>
-          </a:extLst>
+        </p:spPr>
+      </p:pic>
+      <p:pic>
+        <p:nvPicPr>
+          <p:cNvPr id="6" name="圖片 5"/>
+          <p:cNvPicPr>
+            <a:picLocks noChangeAspect="1"/>
+          </p:cNvPicPr>
+          <p:nvPr/>
+        </p:nvPicPr>
+        <p:blipFill>
+          <a:blip r:embed="rId3"/>
+          <a:stretch>
+            <a:fillRect/>
+          </a:stretch>
+        </p:blipFill>
+        <p:spPr>
+          <a:xfrm>
+            <a:off x="557212" y="3686175"/>
+            <a:ext cx="8029575" cy="704850"/>
+          </a:xfrm>
+          <a:prstGeom prst="rect">
+            <a:avLst/>
+          </a:prstGeom>
+        </p:spPr>
+      </p:pic>
+      <p:pic>
+        <p:nvPicPr>
+          <p:cNvPr id="7" name="圖片 6"/>
+          <p:cNvPicPr>
+            <a:picLocks noChangeAspect="1"/>
+          </p:cNvPicPr>
+          <p:nvPr/>
+        </p:nvPicPr>
+        <p:blipFill>
+          <a:blip r:embed="rId4"/>
+          <a:stretch>
+            <a:fillRect/>
+          </a:stretch>
+        </p:blipFill>
+        <p:spPr>
+          <a:xfrm>
+            <a:off x="552450" y="5301208"/>
+            <a:ext cx="8039100" cy="523875"/>
+          </a:xfrm>
+          <a:prstGeom prst="rect">
+            <a:avLst/>
+          </a:prstGeom>
         </p:spPr>
       </p:pic>
     </p:spTree>
@@ -5351,20 +6154,12 @@
           <a:lstStyle/>
           <a:p>
             <a:r>
-              <a:rPr lang="en-US" altLang="zh-TW" dirty="0" smtClean="0"/>
-              <a:t>3. </a:t>
-            </a:r>
-            <a:r>
-              <a:rPr lang="zh-TW" altLang="en-US" dirty="0" smtClean="0"/>
-              <a:t>建立 </a:t>
-            </a:r>
-            <a:r>
               <a:rPr lang="en-US" altLang="zh-TW" dirty="0"/>
-              <a:t>CNN </a:t>
+              <a:t>2. </a:t>
             </a:r>
             <a:r>
               <a:rPr lang="zh-TW" altLang="en-US" dirty="0"/>
-              <a:t>模型</a:t>
+              <a:t>資料預先處理</a:t>
             </a:r>
           </a:p>
         </p:txBody>
@@ -5381,81 +6176,120 @@
         </p:nvSpPr>
         <p:spPr/>
         <p:txBody>
-          <a:bodyPr/>
+          <a:bodyPr>
+            <a:normAutofit/>
+          </a:bodyPr>
           <a:lstStyle/>
           <a:p>
-            <a:endParaRPr lang="zh-TW" altLang="en-US"/>
+            <a:r>
+              <a:rPr lang="en-US" altLang="zh-TW" sz="1800" dirty="0" err="1"/>
+              <a:t>np_utils.to_categorical</a:t>
+            </a:r>
+            <a:r>
+              <a:rPr lang="en-US" altLang="zh-TW" sz="1800" dirty="0"/>
+              <a:t>() </a:t>
+            </a:r>
+            <a:r>
+              <a:rPr lang="zh-TW" altLang="en-US" sz="1800" dirty="0"/>
+              <a:t>函數將 </a:t>
+            </a:r>
+            <a:r>
+              <a:rPr lang="en-US" altLang="zh-TW" sz="1800" dirty="0"/>
+              <a:t>0~9 </a:t>
+            </a:r>
+            <a:r>
+              <a:rPr lang="zh-TW" altLang="en-US" sz="1800" dirty="0"/>
+              <a:t>的數值經過 </a:t>
+            </a:r>
+            <a:r>
+              <a:rPr lang="en-US" altLang="zh-TW" sz="1800" dirty="0"/>
+              <a:t>One-hot encoding </a:t>
+            </a:r>
+            <a:r>
+              <a:rPr lang="zh-TW" altLang="en-US" sz="1800" dirty="0"/>
+              <a:t>編碼 </a:t>
+            </a:r>
+            <a:r>
+              <a:rPr lang="en-US" altLang="zh-TW" sz="1800" dirty="0"/>
+              <a:t>(</a:t>
+            </a:r>
+            <a:r>
+              <a:rPr lang="zh-TW" altLang="en-US" sz="1800" dirty="0"/>
+              <a:t>獨熱編碼</a:t>
+            </a:r>
+            <a:r>
+              <a:rPr lang="en-US" altLang="zh-TW" sz="1800" dirty="0"/>
+              <a:t>) </a:t>
+            </a:r>
+            <a:r>
+              <a:rPr lang="zh-TW" altLang="en-US" sz="1800" dirty="0"/>
+              <a:t>轉成 </a:t>
+            </a:r>
+            <a:r>
+              <a:rPr lang="en-US" altLang="zh-TW" sz="1800" dirty="0"/>
+              <a:t>10 </a:t>
+            </a:r>
+            <a:r>
+              <a:rPr lang="zh-TW" altLang="en-US" sz="1800" dirty="0"/>
+              <a:t>位元二進碼</a:t>
+            </a:r>
+            <a:r>
+              <a:rPr lang="en-US" altLang="zh-TW" sz="1800" dirty="0"/>
+              <a:t>, </a:t>
+            </a:r>
+            <a:r>
+              <a:rPr lang="zh-TW" altLang="en-US" sz="1800" dirty="0"/>
+              <a:t>例如 </a:t>
+            </a:r>
+            <a:r>
+              <a:rPr lang="en-US" altLang="zh-TW" sz="1800" dirty="0"/>
+              <a:t>5 </a:t>
+            </a:r>
+            <a:r>
+              <a:rPr lang="zh-TW" altLang="en-US" sz="1800" dirty="0"/>
+              <a:t>變成 </a:t>
+            </a:r>
+            <a:r>
+              <a:rPr lang="en-US" altLang="zh-TW" sz="1800" dirty="0" smtClean="0"/>
+              <a:t>0000010000</a:t>
+            </a:r>
+          </a:p>
+          <a:p>
+            <a:endParaRPr lang="en-US" altLang="zh-TW" sz="1800" dirty="0" smtClean="0"/>
+          </a:p>
+          <a:p>
+            <a:endParaRPr lang="zh-TW" altLang="en-US" sz="1800" dirty="0"/>
           </a:p>
         </p:txBody>
       </p:sp>
       <p:pic>
         <p:nvPicPr>
-          <p:cNvPr id="3074" name="Picture 2"/>
+          <p:cNvPr id="4" name="圖片 3"/>
           <p:cNvPicPr>
-            <a:picLocks noChangeAspect="1" noChangeArrowheads="1"/>
+            <a:picLocks noChangeAspect="1"/>
           </p:cNvPicPr>
           <p:nvPr/>
         </p:nvPicPr>
         <p:blipFill>
-          <a:blip r:embed="rId2">
-            <a:extLst>
-              <a:ext uri="{28A0092B-C50C-407E-A947-70E740481C1C}">
-                <a14:useLocalDpi xmlns:a14="http://schemas.microsoft.com/office/drawing/2010/main" val="0"/>
-              </a:ext>
-            </a:extLst>
-          </a:blip>
-          <a:srcRect/>
+          <a:blip r:embed="rId2"/>
           <a:stretch>
             <a:fillRect/>
           </a:stretch>
         </p:blipFill>
-        <p:spPr bwMode="auto">
+        <p:spPr>
           <a:xfrm>
-            <a:off x="600075" y="2564904"/>
-            <a:ext cx="7943850" cy="2990850"/>
+            <a:off x="571500" y="2204864"/>
+            <a:ext cx="8001000" cy="523875"/>
           </a:xfrm>
           <a:prstGeom prst="rect">
             <a:avLst/>
           </a:prstGeom>
-          <a:noFill/>
-          <a:ln>
-            <a:noFill/>
-          </a:ln>
-          <a:effectLst/>
-          <a:extLst>
-            <a:ext uri="{909E8E84-426E-40DD-AFC4-6F175D3DCCD1}">
-              <a14:hiddenFill xmlns:a14="http://schemas.microsoft.com/office/drawing/2010/main">
-                <a:solidFill>
-                  <a:schemeClr val="accent1"/>
-                </a:solidFill>
-              </a14:hiddenFill>
-            </a:ext>
-            <a:ext uri="{91240B29-F687-4F45-9708-019B960494DF}">
-              <a14:hiddenLine xmlns:a14="http://schemas.microsoft.com/office/drawing/2010/main" w="9525">
-                <a:solidFill>
-                  <a:schemeClr val="tx1"/>
-                </a:solidFill>
-                <a:miter lim="800000"/>
-                <a:headEnd/>
-                <a:tailEnd/>
-              </a14:hiddenLine>
-            </a:ext>
-            <a:ext uri="{AF507438-7753-43E0-B8FC-AC1667EBCBE1}">
-              <a14:hiddenEffects xmlns:a14="http://schemas.microsoft.com/office/drawing/2010/main">
-                <a:effectLst>
-                  <a:outerShdw dist="35921" dir="2700000" algn="ctr" rotWithShape="0">
-                    <a:schemeClr val="bg2"/>
-                  </a:outerShdw>
-                </a:effectLst>
-              </a14:hiddenEffects>
-            </a:ext>
-          </a:extLst>
         </p:spPr>
       </p:pic>
     </p:spTree>
     <p:extLst>
       <p:ext uri="{BB962C8B-B14F-4D97-AF65-F5344CB8AC3E}">
-        <p14:creationId xmlns:p14="http://schemas.microsoft.com/office/powerpoint/2010/main" val="3701906635"/>
+        <p14:creationId xmlns:p14="http://schemas.microsoft.com/office/powerpoint/2010/main" val="1437467311"/>
       </p:ext>
     </p:extLst>
   </p:cSld>
@@ -5535,16 +6369,102 @@
         </p:nvSpPr>
         <p:spPr/>
         <p:txBody>
-          <a:bodyPr/>
+          <a:bodyPr>
+            <a:normAutofit/>
+          </a:bodyPr>
           <a:lstStyle/>
           <a:p>
-            <a:endParaRPr lang="zh-TW" altLang="en-US"/>
+            <a:r>
+              <a:rPr lang="zh-TW" altLang="en-US" sz="1800" dirty="0"/>
+              <a:t>接下來是利用 </a:t>
+            </a:r>
+            <a:r>
+              <a:rPr lang="en-US" altLang="zh-TW" sz="1800" dirty="0" err="1"/>
+              <a:t>Keras</a:t>
+            </a:r>
+            <a:r>
+              <a:rPr lang="en-US" altLang="zh-TW" sz="1800" dirty="0"/>
+              <a:t> </a:t>
+            </a:r>
+            <a:r>
+              <a:rPr lang="zh-TW" altLang="en-US" sz="1800" dirty="0"/>
+              <a:t>的線性堆疊模型 </a:t>
+            </a:r>
+            <a:r>
+              <a:rPr lang="en-US" altLang="zh-TW" sz="1800" dirty="0"/>
+              <a:t>Sequential </a:t>
+            </a:r>
+            <a:r>
+              <a:rPr lang="zh-TW" altLang="en-US" sz="1800" dirty="0"/>
+              <a:t>一層層地建構 </a:t>
+            </a:r>
+            <a:r>
+              <a:rPr lang="en-US" altLang="zh-TW" sz="1800" dirty="0"/>
+              <a:t>CNN </a:t>
+            </a:r>
+            <a:r>
+              <a:rPr lang="zh-TW" altLang="en-US" sz="1800" dirty="0"/>
+              <a:t>卷積神經網路與其分類模型</a:t>
+            </a:r>
+            <a:r>
+              <a:rPr lang="en-US" altLang="zh-TW" sz="1800" dirty="0"/>
+              <a:t>. </a:t>
+            </a:r>
+            <a:r>
+              <a:rPr lang="zh-TW" altLang="en-US" sz="1800" dirty="0"/>
+              <a:t>首先須匯入 </a:t>
+            </a:r>
+            <a:r>
+              <a:rPr lang="en-US" altLang="zh-TW" sz="1800" dirty="0"/>
+              <a:t>Sequential </a:t>
+            </a:r>
+            <a:r>
+              <a:rPr lang="zh-TW" altLang="en-US" sz="1800" dirty="0"/>
+              <a:t>模組</a:t>
+            </a:r>
+            <a:r>
+              <a:rPr lang="en-US" altLang="zh-TW" sz="1800" dirty="0"/>
+              <a:t>, </a:t>
+            </a:r>
+            <a:r>
+              <a:rPr lang="zh-TW" altLang="en-US" sz="1800" dirty="0"/>
+              <a:t>平面卷積模組 </a:t>
+            </a:r>
+            <a:r>
+              <a:rPr lang="en-US" altLang="zh-TW" sz="1800" dirty="0"/>
+              <a:t>Conv2D, </a:t>
+            </a:r>
+            <a:r>
+              <a:rPr lang="zh-TW" altLang="en-US" sz="1800" dirty="0"/>
+              <a:t>平面池化模組 </a:t>
+            </a:r>
+            <a:r>
+              <a:rPr lang="en-US" altLang="zh-TW" sz="1800" dirty="0"/>
+              <a:t>MaxPooling2D, </a:t>
+            </a:r>
+            <a:r>
+              <a:rPr lang="zh-TW" altLang="en-US" sz="1800" dirty="0"/>
+              <a:t>完全連接模組 </a:t>
+            </a:r>
+            <a:r>
+              <a:rPr lang="en-US" altLang="zh-TW" sz="1800" dirty="0"/>
+              <a:t>Dense, </a:t>
+            </a:r>
+            <a:r>
+              <a:rPr lang="zh-TW" altLang="en-US" sz="1800" dirty="0"/>
+              <a:t>以及放棄模組 </a:t>
+            </a:r>
+            <a:r>
+              <a:rPr lang="en-US" altLang="zh-TW" sz="1800" dirty="0"/>
+              <a:t>Dropout</a:t>
+            </a:r>
+            <a:endParaRPr lang="zh-TW" altLang="en-US" sz="1800" dirty="0"/>
           </a:p>
         </p:txBody>
       </p:sp>
       <p:pic>
         <p:nvPicPr>
-          <p:cNvPr id="4098" name="Picture 2"/>
+          <p:cNvPr id="1026" name="Picture 2" descr="æ¿ä»£æå­"/>
           <p:cNvPicPr>
             <a:picLocks noChangeAspect="1" noChangeArrowheads="1"/>
           </p:cNvPicPr>
@@ -5565,43 +6485,20 @@
         </p:blipFill>
         <p:spPr bwMode="auto">
           <a:xfrm>
-            <a:off x="899592" y="1556792"/>
-            <a:ext cx="7248378" cy="5090721"/>
+            <a:off x="609456" y="2996952"/>
+            <a:ext cx="7925088" cy="2351400"/>
           </a:xfrm>
           <a:prstGeom prst="rect">
             <a:avLst/>
           </a:prstGeom>
           <a:noFill/>
-          <a:ln>
-            <a:noFill/>
-          </a:ln>
-          <a:effectLst/>
           <a:extLst>
             <a:ext uri="{909E8E84-426E-40DD-AFC4-6F175D3DCCD1}">
               <a14:hiddenFill xmlns:a14="http://schemas.microsoft.com/office/drawing/2010/main">
                 <a:solidFill>
-                  <a:schemeClr val="accent1"/>
+                  <a:srgbClr val="FFFFFF"/>
                 </a:solidFill>
               </a14:hiddenFill>
-            </a:ext>
-            <a:ext uri="{91240B29-F687-4F45-9708-019B960494DF}">
-              <a14:hiddenLine xmlns:a14="http://schemas.microsoft.com/office/drawing/2010/main" w="9525">
-                <a:solidFill>
-                  <a:schemeClr val="tx1"/>
-                </a:solidFill>
-                <a:miter lim="800000"/>
-                <a:headEnd/>
-                <a:tailEnd/>
-              </a14:hiddenLine>
-            </a:ext>
-            <a:ext uri="{AF507438-7753-43E0-B8FC-AC1667EBCBE1}">
-              <a14:hiddenEffects xmlns:a14="http://schemas.microsoft.com/office/drawing/2010/main">
-                <a:effectLst>
-                  <a:outerShdw dist="35921" dir="2700000" algn="ctr" rotWithShape="0">
-                    <a:schemeClr val="bg2"/>
-                  </a:outerShdw>
-                </a:effectLst>
-              </a14:hiddenEffects>
             </a:ext>
           </a:extLst>
         </p:spPr>
@@ -5609,7 +6506,7 @@
     </p:spTree>
     <p:extLst>
       <p:ext uri="{BB962C8B-B14F-4D97-AF65-F5344CB8AC3E}">
-        <p14:creationId xmlns:p14="http://schemas.microsoft.com/office/powerpoint/2010/main" val="4251004628"/>
+        <p14:creationId xmlns:p14="http://schemas.microsoft.com/office/powerpoint/2010/main" val="3701906635"/>
       </p:ext>
     </p:extLst>
   </p:cSld>
@@ -5689,73 +6586,762 @@
         </p:nvSpPr>
         <p:spPr/>
         <p:txBody>
-          <a:bodyPr/>
+          <a:bodyPr>
+            <a:normAutofit/>
+          </a:bodyPr>
           <a:lstStyle/>
           <a:p>
-            <a:endParaRPr lang="zh-TW" altLang="en-US"/>
+            <a:r>
+              <a:rPr lang="zh-TW" altLang="en-US" sz="1800" dirty="0" smtClean="0"/>
+              <a:t>匯入</a:t>
+            </a:r>
+            <a:r>
+              <a:rPr lang="en-US" altLang="zh-TW" sz="1800" dirty="0" err="1" smtClean="0"/>
+              <a:t>Keras</a:t>
+            </a:r>
+            <a:r>
+              <a:rPr lang="zh-TW" altLang="en-US" sz="1800" dirty="0"/>
+              <a:t>線性堆疊模型、平面卷積模組 </a:t>
+            </a:r>
+            <a:r>
+              <a:rPr lang="en-US" altLang="zh-TW" sz="1800" dirty="0"/>
+              <a:t>Conv2D, </a:t>
+            </a:r>
+            <a:r>
+              <a:rPr lang="zh-TW" altLang="en-US" sz="1800" dirty="0"/>
+              <a:t>平面池化模組 </a:t>
+            </a:r>
+            <a:r>
+              <a:rPr lang="en-US" altLang="zh-TW" sz="1800" dirty="0"/>
+              <a:t>MaxPooling2D, </a:t>
+            </a:r>
+            <a:r>
+              <a:rPr lang="zh-TW" altLang="en-US" sz="1800" dirty="0"/>
+              <a:t>完全連接模組 </a:t>
+            </a:r>
+            <a:r>
+              <a:rPr lang="en-US" altLang="zh-TW" sz="1800" dirty="0"/>
+              <a:t>Dense, </a:t>
+            </a:r>
+            <a:r>
+              <a:rPr lang="zh-TW" altLang="en-US" sz="1800" dirty="0"/>
+              <a:t>以及放棄模組 </a:t>
+            </a:r>
+            <a:r>
+              <a:rPr lang="en-US" altLang="zh-TW" sz="1800" dirty="0" smtClean="0"/>
+              <a:t>Dropout</a:t>
+            </a:r>
+          </a:p>
+          <a:p>
+            <a:endParaRPr lang="en-US" altLang="zh-TW" sz="1800" dirty="0"/>
+          </a:p>
+          <a:p>
+            <a:endParaRPr lang="en-US" altLang="zh-TW" sz="1800" dirty="0" smtClean="0"/>
+          </a:p>
+          <a:p>
+            <a:endParaRPr lang="en-US" altLang="zh-TW" sz="1800" dirty="0"/>
+          </a:p>
+          <a:p>
+            <a:r>
+              <a:rPr lang="zh-TW" altLang="en-US" sz="1800" dirty="0"/>
+              <a:t>然後呼叫 </a:t>
+            </a:r>
+            <a:r>
+              <a:rPr lang="en-US" altLang="zh-TW" sz="1800" dirty="0"/>
+              <a:t>Sequential() </a:t>
+            </a:r>
+            <a:r>
+              <a:rPr lang="zh-TW" altLang="en-US" sz="1800" dirty="0"/>
+              <a:t>建立空的模型物件</a:t>
+            </a:r>
+            <a:r>
+              <a:rPr lang="en-US" altLang="zh-TW" sz="1800" dirty="0"/>
+              <a:t>, </a:t>
+            </a:r>
+            <a:r>
+              <a:rPr lang="zh-TW" altLang="en-US" sz="1800" dirty="0"/>
+              <a:t>再用其 </a:t>
+            </a:r>
+            <a:r>
+              <a:rPr lang="en-US" altLang="zh-TW" sz="1800" dirty="0"/>
+              <a:t>add() </a:t>
+            </a:r>
+            <a:r>
+              <a:rPr lang="zh-TW" altLang="en-US" sz="1800" dirty="0"/>
+              <a:t>方法將卷積層 </a:t>
+            </a:r>
+            <a:r>
+              <a:rPr lang="en-US" altLang="zh-TW" sz="1800" dirty="0"/>
+              <a:t>1 </a:t>
+            </a:r>
+            <a:r>
+              <a:rPr lang="zh-TW" altLang="en-US" sz="1800" dirty="0"/>
+              <a:t>與池化層 </a:t>
+            </a:r>
+            <a:r>
+              <a:rPr lang="en-US" altLang="zh-TW" sz="1800" dirty="0"/>
+              <a:t>1, </a:t>
+            </a:r>
+            <a:r>
+              <a:rPr lang="zh-TW" altLang="en-US" sz="1800" dirty="0"/>
+              <a:t>使用 </a:t>
+            </a:r>
+            <a:r>
+              <a:rPr lang="en-US" altLang="zh-TW" sz="1800" dirty="0"/>
+              <a:t>16 </a:t>
+            </a:r>
+            <a:r>
+              <a:rPr lang="zh-TW" altLang="en-US" sz="1800" dirty="0"/>
+              <a:t>個</a:t>
+            </a:r>
+            <a:r>
+              <a:rPr lang="en-US" altLang="zh-TW" sz="1800" dirty="0"/>
+              <a:t>5x5 </a:t>
+            </a:r>
+            <a:r>
+              <a:rPr lang="zh-TW" altLang="en-US" sz="1800" dirty="0"/>
+              <a:t>的隨機卷積核心 </a:t>
+            </a:r>
+            <a:r>
+              <a:rPr lang="en-US" altLang="zh-TW" sz="1800" dirty="0"/>
+              <a:t>(</a:t>
+            </a:r>
+            <a:r>
+              <a:rPr lang="zh-TW" altLang="en-US" sz="1800" dirty="0"/>
+              <a:t>濾鏡</a:t>
+            </a:r>
+            <a:r>
+              <a:rPr lang="en-US" altLang="zh-TW" sz="1800" dirty="0"/>
+              <a:t>), </a:t>
+            </a:r>
+            <a:r>
+              <a:rPr lang="zh-TW" altLang="en-US" sz="1800" dirty="0"/>
+              <a:t>以 </a:t>
+            </a:r>
+            <a:r>
+              <a:rPr lang="en-US" altLang="zh-TW" sz="1800" dirty="0"/>
+              <a:t>"same" </a:t>
+            </a:r>
+            <a:r>
+              <a:rPr lang="zh-TW" altLang="en-US" sz="1800" dirty="0"/>
+              <a:t>邊界模式將一張 </a:t>
+            </a:r>
+            <a:r>
+              <a:rPr lang="en-US" altLang="zh-TW" sz="1800" dirty="0"/>
+              <a:t>28x28 </a:t>
+            </a:r>
+            <a:r>
+              <a:rPr lang="zh-TW" altLang="en-US" sz="1800" dirty="0"/>
+              <a:t>圖片產生 </a:t>
+            </a:r>
+            <a:r>
+              <a:rPr lang="en-US" altLang="zh-TW" sz="1800" dirty="0"/>
+              <a:t>16 </a:t>
+            </a:r>
+            <a:r>
+              <a:rPr lang="zh-TW" altLang="en-US" sz="1800" dirty="0"/>
+              <a:t>層 </a:t>
+            </a:r>
+            <a:r>
+              <a:rPr lang="en-US" altLang="zh-TW" sz="1800" dirty="0"/>
+              <a:t>28x28 </a:t>
+            </a:r>
+            <a:r>
+              <a:rPr lang="zh-TW" altLang="en-US" sz="1800" dirty="0"/>
+              <a:t>圖片 </a:t>
+            </a:r>
+            <a:r>
+              <a:rPr lang="en-US" altLang="zh-TW" sz="1800" dirty="0"/>
+              <a:t>(same </a:t>
+            </a:r>
+            <a:r>
+              <a:rPr lang="zh-TW" altLang="en-US" sz="1800" dirty="0"/>
+              <a:t>方式不改變影像大小</a:t>
+            </a:r>
+            <a:r>
+              <a:rPr lang="en-US" altLang="zh-TW" sz="1800" dirty="0"/>
+              <a:t>), </a:t>
+            </a:r>
+            <a:r>
+              <a:rPr lang="zh-TW" altLang="en-US" sz="1800" dirty="0"/>
+              <a:t>並使用 </a:t>
+            </a:r>
+            <a:r>
+              <a:rPr lang="en-US" altLang="zh-TW" sz="1800" dirty="0" err="1"/>
+              <a:t>ReLu</a:t>
+            </a:r>
+            <a:r>
+              <a:rPr lang="en-US" altLang="zh-TW" sz="1800" dirty="0"/>
+              <a:t> </a:t>
+            </a:r>
+            <a:r>
+              <a:rPr lang="zh-TW" altLang="en-US" sz="1800" dirty="0"/>
+              <a:t>非線性函數激活</a:t>
+            </a:r>
+            <a:r>
+              <a:rPr lang="en-US" altLang="zh-TW" sz="1800" dirty="0"/>
+              <a:t>, </a:t>
+            </a:r>
+            <a:r>
+              <a:rPr lang="zh-TW" altLang="en-US" sz="1800" dirty="0"/>
+              <a:t>然後用 </a:t>
+            </a:r>
+            <a:r>
+              <a:rPr lang="en-US" altLang="zh-TW" sz="1800" dirty="0"/>
+              <a:t>2x2 </a:t>
+            </a:r>
+            <a:r>
+              <a:rPr lang="zh-TW" altLang="en-US" sz="1800" dirty="0"/>
+              <a:t>的池化核心將其解析度降為 </a:t>
+            </a:r>
+            <a:r>
+              <a:rPr lang="en-US" altLang="zh-TW" sz="1800" dirty="0" smtClean="0"/>
+              <a:t>14x14</a:t>
+            </a:r>
+          </a:p>
+          <a:p>
+            <a:endParaRPr lang="en-US" altLang="zh-TW" sz="1800" dirty="0"/>
+          </a:p>
+          <a:p>
+            <a:endParaRPr lang="en-US" altLang="zh-TW" sz="1800" dirty="0" smtClean="0"/>
+          </a:p>
+          <a:p>
+            <a:endParaRPr lang="en-US" altLang="zh-TW" sz="1800" dirty="0"/>
+          </a:p>
+          <a:p>
+            <a:endParaRPr lang="en-US" altLang="zh-TW" sz="1800" dirty="0" smtClean="0"/>
+          </a:p>
+          <a:p>
+            <a:pPr lvl="1"/>
+            <a:r>
+              <a:rPr lang="zh-TW" altLang="en-US" sz="1200" i="1" dirty="0">
+                <a:solidFill>
+                  <a:schemeClr val="tx1">
+                    <a:lumMod val="75000"/>
+                    <a:lumOff val="25000"/>
+                  </a:schemeClr>
+                </a:solidFill>
+              </a:rPr>
+              <a:t>線性整流函數（</a:t>
+            </a:r>
+            <a:r>
+              <a:rPr lang="en-US" altLang="zh-TW" sz="1200" i="1" dirty="0">
+                <a:solidFill>
+                  <a:schemeClr val="tx1">
+                    <a:lumMod val="75000"/>
+                    <a:lumOff val="25000"/>
+                  </a:schemeClr>
+                </a:solidFill>
+              </a:rPr>
+              <a:t>Rectified Linear Unit, </a:t>
+            </a:r>
+            <a:r>
+              <a:rPr lang="en-US" altLang="zh-TW" sz="1200" i="1" dirty="0" err="1">
+                <a:solidFill>
+                  <a:schemeClr val="tx1">
+                    <a:lumMod val="75000"/>
+                    <a:lumOff val="25000"/>
+                  </a:schemeClr>
+                </a:solidFill>
+              </a:rPr>
+              <a:t>ReLU</a:t>
+            </a:r>
+            <a:r>
+              <a:rPr lang="zh-TW" altLang="en-US" sz="1200" i="1" dirty="0">
+                <a:solidFill>
+                  <a:schemeClr val="tx1">
+                    <a:lumMod val="75000"/>
+                    <a:lumOff val="25000"/>
+                  </a:schemeClr>
+                </a:solidFill>
+              </a:rPr>
+              <a:t>）</a:t>
+            </a:r>
+            <a:r>
+              <a:rPr lang="en-US" altLang="zh-TW" sz="1200" i="1" dirty="0">
+                <a:solidFill>
+                  <a:schemeClr val="tx1">
+                    <a:lumMod val="75000"/>
+                    <a:lumOff val="25000"/>
+                  </a:schemeClr>
+                </a:solidFill>
+              </a:rPr>
+              <a:t>,</a:t>
+            </a:r>
+            <a:r>
+              <a:rPr lang="zh-TW" altLang="en-US" sz="1200" i="1" dirty="0">
+                <a:solidFill>
+                  <a:schemeClr val="tx1">
+                    <a:lumMod val="75000"/>
+                    <a:lumOff val="25000"/>
+                  </a:schemeClr>
+                </a:solidFill>
+              </a:rPr>
+              <a:t>又稱修正線性單元</a:t>
+            </a:r>
+            <a:r>
+              <a:rPr lang="en-US" altLang="zh-TW" sz="1200" i="1" dirty="0">
+                <a:solidFill>
+                  <a:schemeClr val="tx1">
+                    <a:lumMod val="75000"/>
+                    <a:lumOff val="25000"/>
+                  </a:schemeClr>
+                </a:solidFill>
+              </a:rPr>
+              <a:t>, </a:t>
+            </a:r>
+            <a:r>
+              <a:rPr lang="zh-TW" altLang="en-US" sz="1200" i="1" dirty="0">
+                <a:solidFill>
+                  <a:schemeClr val="tx1">
+                    <a:lumMod val="75000"/>
+                    <a:lumOff val="25000"/>
+                  </a:schemeClr>
+                </a:solidFill>
+              </a:rPr>
+              <a:t>是一種人工神經網絡中常用的激活函數（</a:t>
+            </a:r>
+            <a:r>
+              <a:rPr lang="en-US" altLang="zh-TW" sz="1200" i="1" dirty="0">
+                <a:solidFill>
+                  <a:schemeClr val="tx1">
+                    <a:lumMod val="75000"/>
+                    <a:lumOff val="25000"/>
+                  </a:schemeClr>
+                </a:solidFill>
+              </a:rPr>
+              <a:t>activation function</a:t>
+            </a:r>
+            <a:r>
+              <a:rPr lang="zh-TW" altLang="en-US" sz="1200" i="1" dirty="0">
+                <a:solidFill>
+                  <a:schemeClr val="tx1">
+                    <a:lumMod val="75000"/>
+                    <a:lumOff val="25000"/>
+                  </a:schemeClr>
+                </a:solidFill>
+              </a:rPr>
+              <a:t>），通常指代以斜坡函數及其變種為代表的非線性函數</a:t>
+            </a:r>
+          </a:p>
+          <a:p>
+            <a:pPr lvl="1"/>
+            <a:endParaRPr lang="zh-TW" altLang="en-US" sz="1400" dirty="0"/>
+          </a:p>
+          <a:p>
+            <a:pPr lvl="1"/>
+            <a:endParaRPr lang="en-US" altLang="zh-TW" sz="1400" dirty="0" smtClean="0"/>
+          </a:p>
+          <a:p>
+            <a:endParaRPr lang="zh-TW" altLang="en-US" sz="1800" dirty="0"/>
           </a:p>
         </p:txBody>
       </p:sp>
       <p:pic>
         <p:nvPicPr>
-          <p:cNvPr id="5122" name="Picture 2"/>
+          <p:cNvPr id="4" name="圖片 3"/>
           <p:cNvPicPr>
-            <a:picLocks noChangeAspect="1" noChangeArrowheads="1"/>
+            <a:picLocks noChangeAspect="1"/>
           </p:cNvPicPr>
           <p:nvPr/>
         </p:nvPicPr>
-        <p:blipFill rotWithShape="1">
-          <a:blip r:embed="rId2">
-            <a:extLst>
-              <a:ext uri="{28A0092B-C50C-407E-A947-70E740481C1C}">
-                <a14:useLocalDpi xmlns:a14="http://schemas.microsoft.com/office/drawing/2010/main" val="0"/>
-              </a:ext>
-            </a:extLst>
-          </a:blip>
-          <a:srcRect t="13499"/>
-          <a:stretch/>
+        <p:blipFill>
+          <a:blip r:embed="rId2"/>
+          <a:stretch>
+            <a:fillRect/>
+          </a:stretch>
         </p:blipFill>
-        <p:spPr bwMode="auto">
+        <p:spPr>
           <a:xfrm>
-            <a:off x="528638" y="2299063"/>
-            <a:ext cx="8086725" cy="2677750"/>
+            <a:off x="561975" y="2204864"/>
+            <a:ext cx="8020050" cy="933450"/>
           </a:xfrm>
           <a:prstGeom prst="rect">
             <a:avLst/>
           </a:prstGeom>
-          <a:noFill/>
-          <a:ln>
-            <a:noFill/>
-          </a:ln>
-          <a:effectLst/>
-          <a:extLst>
-            <a:ext uri="{909E8E84-426E-40DD-AFC4-6F175D3DCCD1}">
-              <a14:hiddenFill xmlns:a14="http://schemas.microsoft.com/office/drawing/2010/main">
-                <a:solidFill>
-                  <a:schemeClr val="accent1"/>
-                </a:solidFill>
-              </a14:hiddenFill>
-            </a:ext>
-            <a:ext uri="{91240B29-F687-4F45-9708-019B960494DF}">
-              <a14:hiddenLine xmlns:a14="http://schemas.microsoft.com/office/drawing/2010/main" w="9525">
-                <a:solidFill>
-                  <a:schemeClr val="tx1"/>
-                </a:solidFill>
-                <a:miter lim="800000"/>
-                <a:headEnd/>
-                <a:tailEnd/>
-              </a14:hiddenLine>
-            </a:ext>
-            <a:ext uri="{AF507438-7753-43E0-B8FC-AC1667EBCBE1}">
-              <a14:hiddenEffects xmlns:a14="http://schemas.microsoft.com/office/drawing/2010/main">
-                <a:effectLst>
-                  <a:outerShdw dist="35921" dir="2700000" algn="ctr" rotWithShape="0">
-                    <a:schemeClr val="bg2"/>
-                  </a:outerShdw>
-                </a:effectLst>
-              </a14:hiddenEffects>
-            </a:ext>
-          </a:extLst>
+        </p:spPr>
+      </p:pic>
+      <p:pic>
+        <p:nvPicPr>
+          <p:cNvPr id="5" name="圖片 4"/>
+          <p:cNvPicPr>
+            <a:picLocks noChangeAspect="1"/>
+          </p:cNvPicPr>
+          <p:nvPr/>
+        </p:nvPicPr>
+        <p:blipFill>
+          <a:blip r:embed="rId3"/>
+          <a:stretch>
+            <a:fillRect/>
+          </a:stretch>
+        </p:blipFill>
+        <p:spPr>
+          <a:xfrm>
+            <a:off x="547687" y="4365104"/>
+            <a:ext cx="8048625" cy="1190625"/>
+          </a:xfrm>
+          <a:prstGeom prst="rect">
+            <a:avLst/>
+          </a:prstGeom>
+        </p:spPr>
+      </p:pic>
+      <p:pic>
+        <p:nvPicPr>
+          <p:cNvPr id="6" name="圖片 5"/>
+          <p:cNvPicPr>
+            <a:picLocks noChangeAspect="1"/>
+          </p:cNvPicPr>
+          <p:nvPr/>
+        </p:nvPicPr>
+        <p:blipFill>
+          <a:blip r:embed="rId4"/>
+          <a:stretch>
+            <a:fillRect/>
+          </a:stretch>
+        </p:blipFill>
+        <p:spPr>
+          <a:xfrm>
+            <a:off x="571500" y="6181725"/>
+            <a:ext cx="8001000" cy="371475"/>
+          </a:xfrm>
+          <a:prstGeom prst="rect">
+            <a:avLst/>
+          </a:prstGeom>
+        </p:spPr>
+      </p:pic>
+    </p:spTree>
+    <p:extLst>
+      <p:ext uri="{BB962C8B-B14F-4D97-AF65-F5344CB8AC3E}">
+        <p14:creationId xmlns:p14="http://schemas.microsoft.com/office/powerpoint/2010/main" val="4251004628"/>
+      </p:ext>
+    </p:extLst>
+  </p:cSld>
+  <p:clrMapOvr>
+    <a:masterClrMapping/>
+  </p:clrMapOvr>
+  <p:timing>
+    <p:tnLst>
+      <p:par>
+        <p:cTn id="1" dur="indefinite" restart="never" nodeType="tmRoot"/>
+      </p:par>
+    </p:tnLst>
+  </p:timing>
+</p:sld>
+</file>
+
+<file path=ppt/slides/slide7.xml><?xml version="1.0" encoding="utf-8"?>
+<p:sld xmlns:a="http://schemas.openxmlformats.org/drawingml/2006/main" xmlns:r="http://schemas.openxmlformats.org/officeDocument/2006/relationships" xmlns:p="http://schemas.openxmlformats.org/presentationml/2006/main">
+  <p:cSld>
+    <p:spTree>
+      <p:nvGrpSpPr>
+        <p:cNvPr id="1" name=""/>
+        <p:cNvGrpSpPr/>
+        <p:nvPr/>
+      </p:nvGrpSpPr>
+      <p:grpSpPr>
+        <a:xfrm>
+          <a:off x="0" y="0"/>
+          <a:ext cx="0" cy="0"/>
+          <a:chOff x="0" y="0"/>
+          <a:chExt cx="0" cy="0"/>
+        </a:xfrm>
+      </p:grpSpPr>
+      <p:sp>
+        <p:nvSpPr>
+          <p:cNvPr id="2" name="標題 1"/>
+          <p:cNvSpPr>
+            <a:spLocks noGrp="1"/>
+          </p:cNvSpPr>
+          <p:nvPr>
+            <p:ph type="title"/>
+          </p:nvPr>
+        </p:nvSpPr>
+        <p:spPr/>
+        <p:txBody>
+          <a:bodyPr/>
+          <a:lstStyle/>
+          <a:p>
+            <a:r>
+              <a:rPr lang="en-US" altLang="zh-TW" dirty="0" smtClean="0"/>
+              <a:t>3. </a:t>
+            </a:r>
+            <a:r>
+              <a:rPr lang="zh-TW" altLang="en-US" dirty="0" smtClean="0"/>
+              <a:t>建立 </a:t>
+            </a:r>
+            <a:r>
+              <a:rPr lang="en-US" altLang="zh-TW" dirty="0"/>
+              <a:t>CNN </a:t>
+            </a:r>
+            <a:r>
+              <a:rPr lang="zh-TW" altLang="en-US" dirty="0"/>
+              <a:t>模型</a:t>
+            </a:r>
+          </a:p>
+        </p:txBody>
+      </p:sp>
+      <p:sp>
+        <p:nvSpPr>
+          <p:cNvPr id="3" name="內容版面配置區 2"/>
+          <p:cNvSpPr>
+            <a:spLocks noGrp="1"/>
+          </p:cNvSpPr>
+          <p:nvPr>
+            <p:ph idx="1"/>
+          </p:nvPr>
+        </p:nvSpPr>
+        <p:spPr/>
+        <p:txBody>
+          <a:bodyPr>
+            <a:normAutofit/>
+          </a:bodyPr>
+          <a:lstStyle/>
+          <a:p>
+            <a:r>
+              <a:rPr lang="zh-TW" altLang="en-US" sz="1800" dirty="0"/>
+              <a:t>然後加入卷積層 </a:t>
+            </a:r>
+            <a:r>
+              <a:rPr lang="en-US" altLang="zh-TW" sz="1800" dirty="0"/>
+              <a:t>2 </a:t>
+            </a:r>
+            <a:r>
+              <a:rPr lang="zh-TW" altLang="en-US" sz="1800" dirty="0"/>
+              <a:t>與池化層 </a:t>
+            </a:r>
+            <a:r>
+              <a:rPr lang="en-US" altLang="zh-TW" sz="1800" dirty="0"/>
+              <a:t>2, </a:t>
+            </a:r>
+            <a:r>
+              <a:rPr lang="zh-TW" altLang="en-US" sz="1800" dirty="0"/>
+              <a:t>使用 </a:t>
+            </a:r>
+            <a:r>
+              <a:rPr lang="en-US" altLang="zh-TW" sz="1800" dirty="0"/>
+              <a:t>36 </a:t>
+            </a:r>
+            <a:r>
+              <a:rPr lang="zh-TW" altLang="en-US" sz="1800" dirty="0"/>
+              <a:t>個</a:t>
+            </a:r>
+            <a:r>
+              <a:rPr lang="en-US" altLang="zh-TW" sz="1800" dirty="0"/>
+              <a:t>5x5 </a:t>
+            </a:r>
+            <a:r>
+              <a:rPr lang="zh-TW" altLang="en-US" sz="1800" dirty="0"/>
+              <a:t>的隨機卷積核心 </a:t>
+            </a:r>
+            <a:r>
+              <a:rPr lang="en-US" altLang="zh-TW" sz="1800" dirty="0"/>
+              <a:t>(</a:t>
+            </a:r>
+            <a:r>
+              <a:rPr lang="zh-TW" altLang="en-US" sz="1800" dirty="0"/>
+              <a:t>濾鏡</a:t>
+            </a:r>
+            <a:r>
+              <a:rPr lang="en-US" altLang="zh-TW" sz="1800" dirty="0"/>
+              <a:t>), </a:t>
+            </a:r>
+            <a:r>
+              <a:rPr lang="zh-TW" altLang="en-US" sz="1800" dirty="0"/>
+              <a:t>以 </a:t>
+            </a:r>
+            <a:r>
+              <a:rPr lang="en-US" altLang="zh-TW" sz="1800" dirty="0"/>
+              <a:t>"same" </a:t>
+            </a:r>
+            <a:r>
+              <a:rPr lang="zh-TW" altLang="en-US" sz="1800" dirty="0"/>
+              <a:t>邊界模式從 </a:t>
+            </a:r>
+            <a:r>
+              <a:rPr lang="en-US" altLang="zh-TW" sz="1800" dirty="0"/>
+              <a:t>16 </a:t>
+            </a:r>
+            <a:r>
+              <a:rPr lang="zh-TW" altLang="en-US" sz="1800" dirty="0"/>
+              <a:t>層之 </a:t>
+            </a:r>
+            <a:r>
+              <a:rPr lang="en-US" altLang="zh-TW" sz="1800" dirty="0"/>
+              <a:t>14x14 </a:t>
+            </a:r>
+            <a:r>
+              <a:rPr lang="zh-TW" altLang="en-US" sz="1800" dirty="0"/>
+              <a:t>圖片產生 </a:t>
+            </a:r>
+            <a:r>
+              <a:rPr lang="en-US" altLang="zh-TW" sz="1800" dirty="0"/>
+              <a:t>36 </a:t>
+            </a:r>
+            <a:r>
+              <a:rPr lang="zh-TW" altLang="en-US" sz="1800" dirty="0"/>
+              <a:t>層的 </a:t>
+            </a:r>
+            <a:r>
+              <a:rPr lang="en-US" altLang="zh-TW" sz="1800" dirty="0"/>
+              <a:t>14x14 </a:t>
+            </a:r>
+            <a:r>
+              <a:rPr lang="zh-TW" altLang="en-US" sz="1800" dirty="0"/>
+              <a:t>圖片 </a:t>
+            </a:r>
+            <a:r>
+              <a:rPr lang="en-US" altLang="zh-TW" sz="1800" dirty="0"/>
+              <a:t>(same </a:t>
+            </a:r>
+            <a:r>
+              <a:rPr lang="zh-TW" altLang="en-US" sz="1800" dirty="0"/>
+              <a:t>方式不改變影像大小</a:t>
+            </a:r>
+            <a:r>
+              <a:rPr lang="en-US" altLang="zh-TW" sz="1800" dirty="0"/>
+              <a:t>), </a:t>
+            </a:r>
+            <a:r>
+              <a:rPr lang="zh-TW" altLang="en-US" sz="1800" dirty="0"/>
+              <a:t>並使用 </a:t>
+            </a:r>
+            <a:r>
+              <a:rPr lang="en-US" altLang="zh-TW" sz="1800" dirty="0" err="1"/>
+              <a:t>ReLu</a:t>
+            </a:r>
+            <a:r>
+              <a:rPr lang="en-US" altLang="zh-TW" sz="1800" dirty="0"/>
+              <a:t> </a:t>
+            </a:r>
+            <a:r>
+              <a:rPr lang="zh-TW" altLang="en-US" sz="1800" dirty="0"/>
+              <a:t>非線性函數激活</a:t>
+            </a:r>
+            <a:r>
+              <a:rPr lang="en-US" altLang="zh-TW" sz="1800" dirty="0"/>
+              <a:t>, </a:t>
+            </a:r>
+            <a:r>
+              <a:rPr lang="zh-TW" altLang="en-US" sz="1800" dirty="0"/>
+              <a:t>然後用 </a:t>
+            </a:r>
+            <a:r>
+              <a:rPr lang="en-US" altLang="zh-TW" sz="1800" dirty="0"/>
+              <a:t>2x2 </a:t>
+            </a:r>
+            <a:r>
+              <a:rPr lang="zh-TW" altLang="en-US" sz="1800" dirty="0"/>
+              <a:t>的池化核心將其解析度降為 </a:t>
+            </a:r>
+            <a:r>
+              <a:rPr lang="en-US" altLang="zh-TW" sz="1800" dirty="0" smtClean="0"/>
+              <a:t>7x7</a:t>
+            </a:r>
+          </a:p>
+          <a:p>
+            <a:endParaRPr lang="en-US" altLang="zh-TW" sz="1800" dirty="0"/>
+          </a:p>
+          <a:p>
+            <a:endParaRPr lang="en-US" altLang="zh-TW" sz="1800" dirty="0" smtClean="0"/>
+          </a:p>
+          <a:p>
+            <a:endParaRPr lang="en-US" altLang="zh-TW" sz="1800" dirty="0"/>
+          </a:p>
+          <a:p>
+            <a:endParaRPr lang="en-US" altLang="zh-TW" sz="1800" dirty="0" smtClean="0"/>
+          </a:p>
+          <a:p>
+            <a:endParaRPr lang="en-US" altLang="zh-TW" sz="1800" dirty="0"/>
+          </a:p>
+          <a:p>
+            <a:r>
+              <a:rPr lang="zh-TW" altLang="en-US" sz="1800" dirty="0"/>
+              <a:t>接下來為了避免過擬合 </a:t>
+            </a:r>
+            <a:r>
+              <a:rPr lang="en-US" altLang="zh-TW" sz="1800" dirty="0"/>
+              <a:t>(Over fitting) </a:t>
+            </a:r>
+            <a:r>
+              <a:rPr lang="zh-TW" altLang="en-US" sz="1800" dirty="0"/>
+              <a:t>問題</a:t>
+            </a:r>
+            <a:r>
+              <a:rPr lang="en-US" altLang="zh-TW" sz="1800" dirty="0"/>
+              <a:t>, </a:t>
+            </a:r>
+            <a:r>
+              <a:rPr lang="zh-TW" altLang="en-US" sz="1800" dirty="0"/>
+              <a:t>最後加上 </a:t>
+            </a:r>
+            <a:r>
+              <a:rPr lang="en-US" altLang="zh-TW" sz="1800" dirty="0"/>
+              <a:t>Dropout </a:t>
+            </a:r>
+            <a:r>
+              <a:rPr lang="zh-TW" altLang="en-US" sz="1800" dirty="0"/>
+              <a:t>層在每次訓練中放棄部分</a:t>
+            </a:r>
+            <a:r>
+              <a:rPr lang="zh-TW" altLang="en-US" sz="1800" dirty="0" smtClean="0"/>
+              <a:t>神經元</a:t>
+            </a:r>
+            <a:endParaRPr lang="en-US" altLang="zh-TW" sz="1800" dirty="0" smtClean="0"/>
+          </a:p>
+          <a:p>
+            <a:endParaRPr lang="en-US" altLang="zh-TW" sz="1800" dirty="0" smtClean="0"/>
+          </a:p>
+          <a:p>
+            <a:endParaRPr lang="zh-TW" altLang="en-US" sz="1800" dirty="0"/>
+          </a:p>
+        </p:txBody>
+      </p:sp>
+      <p:pic>
+        <p:nvPicPr>
+          <p:cNvPr id="4" name="圖片 3"/>
+          <p:cNvPicPr>
+            <a:picLocks noChangeAspect="1"/>
+          </p:cNvPicPr>
+          <p:nvPr/>
+        </p:nvPicPr>
+        <p:blipFill>
+          <a:blip r:embed="rId2"/>
+          <a:stretch>
+            <a:fillRect/>
+          </a:stretch>
+        </p:blipFill>
+        <p:spPr>
+          <a:xfrm>
+            <a:off x="561975" y="2800350"/>
+            <a:ext cx="8020050" cy="1257300"/>
+          </a:xfrm>
+          <a:prstGeom prst="rect">
+            <a:avLst/>
+          </a:prstGeom>
+        </p:spPr>
+      </p:pic>
+      <p:pic>
+        <p:nvPicPr>
+          <p:cNvPr id="6" name="圖片 5"/>
+          <p:cNvPicPr>
+            <a:picLocks noChangeAspect="1"/>
+          </p:cNvPicPr>
+          <p:nvPr/>
+        </p:nvPicPr>
+        <p:blipFill>
+          <a:blip r:embed="rId3"/>
+          <a:stretch>
+            <a:fillRect/>
+          </a:stretch>
+        </p:blipFill>
+        <p:spPr>
+          <a:xfrm>
+            <a:off x="552450" y="5013176"/>
+            <a:ext cx="8039100" cy="361950"/>
+          </a:xfrm>
+          <a:prstGeom prst="rect">
+            <a:avLst/>
+          </a:prstGeom>
         </p:spPr>
       </p:pic>
     </p:spTree>
@@ -5778,7 +7364,7 @@
 </p:sld>
 </file>
 
-<file path=ppt/slides/slide7.xml><?xml version="1.0" encoding="utf-8"?>
+<file path=ppt/slides/slide8.xml><?xml version="1.0" encoding="utf-8"?>
 <p:sld xmlns:a="http://schemas.openxmlformats.org/drawingml/2006/main" xmlns:r="http://schemas.openxmlformats.org/officeDocument/2006/relationships" xmlns:p="http://schemas.openxmlformats.org/presentationml/2006/main">
   <p:cSld>
     <p:spTree>
@@ -6003,152 +7589,6 @@
 </p:sld>
 </file>
 
-<file path=ppt/slides/slide8.xml><?xml version="1.0" encoding="utf-8"?>
-<p:sld xmlns:a="http://schemas.openxmlformats.org/drawingml/2006/main" xmlns:r="http://schemas.openxmlformats.org/officeDocument/2006/relationships" xmlns:p="http://schemas.openxmlformats.org/presentationml/2006/main">
-  <p:cSld>
-    <p:spTree>
-      <p:nvGrpSpPr>
-        <p:cNvPr id="1" name=""/>
-        <p:cNvGrpSpPr/>
-        <p:nvPr/>
-      </p:nvGrpSpPr>
-      <p:grpSpPr>
-        <a:xfrm>
-          <a:off x="0" y="0"/>
-          <a:ext cx="0" cy="0"/>
-          <a:chOff x="0" y="0"/>
-          <a:chExt cx="0" cy="0"/>
-        </a:xfrm>
-      </p:grpSpPr>
-      <p:sp>
-        <p:nvSpPr>
-          <p:cNvPr id="2" name="標題 1"/>
-          <p:cNvSpPr>
-            <a:spLocks noGrp="1"/>
-          </p:cNvSpPr>
-          <p:nvPr>
-            <p:ph type="title"/>
-          </p:nvPr>
-        </p:nvSpPr>
-        <p:spPr/>
-        <p:txBody>
-          <a:bodyPr/>
-          <a:lstStyle/>
-          <a:p>
-            <a:r>
-              <a:rPr lang="en-US" altLang="zh-TW" dirty="0"/>
-              <a:t>4. </a:t>
-            </a:r>
-            <a:r>
-              <a:rPr lang="zh-TW" altLang="en-US" dirty="0"/>
-              <a:t>建立分類模型</a:t>
-            </a:r>
-          </a:p>
-        </p:txBody>
-      </p:sp>
-      <p:sp>
-        <p:nvSpPr>
-          <p:cNvPr id="3" name="內容版面配置區 2"/>
-          <p:cNvSpPr>
-            <a:spLocks noGrp="1"/>
-          </p:cNvSpPr>
-          <p:nvPr>
-            <p:ph idx="1"/>
-          </p:nvPr>
-        </p:nvSpPr>
-        <p:spPr/>
-        <p:txBody>
-          <a:bodyPr/>
-          <a:lstStyle/>
-          <a:p>
-            <a:endParaRPr lang="zh-TW" altLang="en-US" dirty="0"/>
-          </a:p>
-        </p:txBody>
-      </p:sp>
-      <p:pic>
-        <p:nvPicPr>
-          <p:cNvPr id="7170" name="Picture 2"/>
-          <p:cNvPicPr>
-            <a:picLocks noChangeAspect="1" noChangeArrowheads="1"/>
-          </p:cNvPicPr>
-          <p:nvPr/>
-        </p:nvPicPr>
-        <p:blipFill>
-          <a:blip r:embed="rId2">
-            <a:extLst>
-              <a:ext uri="{28A0092B-C50C-407E-A947-70E740481C1C}">
-                <a14:useLocalDpi xmlns:a14="http://schemas.microsoft.com/office/drawing/2010/main" val="0"/>
-              </a:ext>
-            </a:extLst>
-          </a:blip>
-          <a:srcRect/>
-          <a:stretch>
-            <a:fillRect/>
-          </a:stretch>
-        </p:blipFill>
-        <p:spPr bwMode="auto">
-          <a:xfrm>
-            <a:off x="530604" y="1628800"/>
-            <a:ext cx="8115300" cy="4333875"/>
-          </a:xfrm>
-          <a:prstGeom prst="rect">
-            <a:avLst/>
-          </a:prstGeom>
-          <a:noFill/>
-          <a:ln>
-            <a:noFill/>
-          </a:ln>
-          <a:effectLst/>
-          <a:extLst>
-            <a:ext uri="{909E8E84-426E-40DD-AFC4-6F175D3DCCD1}">
-              <a14:hiddenFill xmlns:a14="http://schemas.microsoft.com/office/drawing/2010/main">
-                <a:solidFill>
-                  <a:schemeClr val="accent1"/>
-                </a:solidFill>
-              </a14:hiddenFill>
-            </a:ext>
-            <a:ext uri="{91240B29-F687-4F45-9708-019B960494DF}">
-              <a14:hiddenLine xmlns:a14="http://schemas.microsoft.com/office/drawing/2010/main" w="9525">
-                <a:solidFill>
-                  <a:schemeClr val="tx1"/>
-                </a:solidFill>
-                <a:miter lim="800000"/>
-                <a:headEnd/>
-                <a:tailEnd/>
-              </a14:hiddenLine>
-            </a:ext>
-            <a:ext uri="{AF507438-7753-43E0-B8FC-AC1667EBCBE1}">
-              <a14:hiddenEffects xmlns:a14="http://schemas.microsoft.com/office/drawing/2010/main">
-                <a:effectLst>
-                  <a:outerShdw dist="35921" dir="2700000" algn="ctr" rotWithShape="0">
-                    <a:schemeClr val="bg2"/>
-                  </a:outerShdw>
-                </a:effectLst>
-              </a14:hiddenEffects>
-            </a:ext>
-          </a:extLst>
-        </p:spPr>
-      </p:pic>
-    </p:spTree>
-    <p:extLst>
-      <p:ext uri="{BB962C8B-B14F-4D97-AF65-F5344CB8AC3E}">
-        <p14:creationId xmlns:p14="http://schemas.microsoft.com/office/powerpoint/2010/main" val="2054756730"/>
-      </p:ext>
-    </p:extLst>
-  </p:cSld>
-  <p:clrMapOvr>
-    <a:masterClrMapping/>
-  </p:clrMapOvr>
-  <p:timing>
-    <p:tnLst>
-      <p:par>
-        <p:cTn id="1" dur="indefinite" restart="never" nodeType="tmRoot"/>
-      </p:par>
-    </p:tnLst>
-  </p:timing>
-</p:sld>
-</file>
-
 <file path=ppt/slides/slide9.xml><?xml version="1.0" encoding="utf-8"?>
 <p:sld xmlns:a="http://schemas.openxmlformats.org/drawingml/2006/main" xmlns:r="http://schemas.openxmlformats.org/officeDocument/2006/relationships" xmlns:p="http://schemas.openxmlformats.org/presentationml/2006/main">
   <p:cSld>
@@ -6183,11 +7623,11 @@
           <a:p>
             <a:r>
               <a:rPr lang="en-US" altLang="zh-TW" dirty="0"/>
-              <a:t>5. </a:t>
+              <a:t>4. </a:t>
             </a:r>
             <a:r>
               <a:rPr lang="zh-TW" altLang="en-US" dirty="0"/>
-              <a:t>顯示模型摘要</a:t>
+              <a:t>建立分類模型</a:t>
             </a:r>
           </a:p>
         </p:txBody>
@@ -6204,81 +7644,517 @@
         </p:nvSpPr>
         <p:spPr/>
         <p:txBody>
-          <a:bodyPr/>
+          <a:bodyPr>
+            <a:normAutofit/>
+          </a:bodyPr>
           <a:lstStyle/>
           <a:p>
-            <a:endParaRPr lang="zh-TW" altLang="en-US" dirty="0"/>
+            <a:r>
+              <a:rPr lang="zh-TW" altLang="en-US" sz="1800" dirty="0"/>
+              <a:t>首先呼叫 </a:t>
+            </a:r>
+            <a:r>
+              <a:rPr lang="en-US" altLang="zh-TW" sz="1800" dirty="0"/>
+              <a:t>Flatten() </a:t>
+            </a:r>
+            <a:r>
+              <a:rPr lang="zh-TW" altLang="en-US" sz="1800" dirty="0"/>
+              <a:t>建立平坦層</a:t>
+            </a:r>
+            <a:r>
+              <a:rPr lang="en-US" altLang="zh-TW" sz="1800" dirty="0"/>
+              <a:t>, </a:t>
+            </a:r>
+            <a:r>
+              <a:rPr lang="zh-TW" altLang="en-US" sz="1800" dirty="0"/>
+              <a:t>由於前面 </a:t>
+            </a:r>
+            <a:r>
+              <a:rPr lang="en-US" altLang="zh-TW" sz="1800" dirty="0"/>
+              <a:t>CNN </a:t>
+            </a:r>
+            <a:r>
+              <a:rPr lang="zh-TW" altLang="en-US" sz="1800" dirty="0"/>
+              <a:t>模型最後池化層 </a:t>
+            </a:r>
+            <a:r>
+              <a:rPr lang="en-US" altLang="zh-TW" sz="1800" dirty="0"/>
+              <a:t>2 </a:t>
+            </a:r>
+            <a:r>
+              <a:rPr lang="zh-TW" altLang="en-US" sz="1800" dirty="0"/>
+              <a:t>之輸出為 </a:t>
+            </a:r>
+            <a:r>
+              <a:rPr lang="en-US" altLang="zh-TW" sz="1800" dirty="0"/>
+              <a:t>36 </a:t>
+            </a:r>
+            <a:r>
+              <a:rPr lang="zh-TW" altLang="en-US" sz="1800" dirty="0"/>
+              <a:t>層的 </a:t>
+            </a:r>
+            <a:r>
+              <a:rPr lang="en-US" altLang="zh-TW" sz="1800" dirty="0"/>
+              <a:t>77 </a:t>
+            </a:r>
+            <a:r>
+              <a:rPr lang="zh-TW" altLang="en-US" sz="1800" dirty="0"/>
+              <a:t>圖像</a:t>
+            </a:r>
+            <a:r>
+              <a:rPr lang="en-US" altLang="zh-TW" sz="1800" dirty="0"/>
+              <a:t>, </a:t>
+            </a:r>
+            <a:r>
+              <a:rPr lang="zh-TW" altLang="en-US" sz="1800" dirty="0"/>
+              <a:t>因此平坦層會將其依序拉平展開為 </a:t>
+            </a:r>
+            <a:r>
+              <a:rPr lang="en-US" altLang="zh-TW" sz="1800" dirty="0"/>
+              <a:t>367*7=1764 </a:t>
+            </a:r>
+            <a:r>
+              <a:rPr lang="zh-TW" altLang="en-US" sz="1800" dirty="0"/>
+              <a:t>個一維特徵向量 </a:t>
+            </a:r>
+            <a:r>
+              <a:rPr lang="en-US" altLang="zh-TW" sz="1800" dirty="0"/>
+              <a:t>(</a:t>
+            </a:r>
+            <a:r>
+              <a:rPr lang="zh-TW" altLang="en-US" sz="1800" dirty="0"/>
+              <a:t>畫素</a:t>
+            </a:r>
+            <a:r>
+              <a:rPr lang="en-US" altLang="zh-TW" sz="1800" dirty="0"/>
+              <a:t>), </a:t>
+            </a:r>
+            <a:r>
+              <a:rPr lang="zh-TW" altLang="en-US" sz="1800" dirty="0"/>
+              <a:t>並建立 </a:t>
+            </a:r>
+            <a:r>
+              <a:rPr lang="en-US" altLang="zh-TW" sz="1800" dirty="0"/>
+              <a:t>1764 </a:t>
+            </a:r>
+            <a:r>
+              <a:rPr lang="zh-TW" altLang="en-US" sz="1800" dirty="0"/>
+              <a:t>個神經元來接收這些</a:t>
+            </a:r>
+            <a:r>
+              <a:rPr lang="zh-TW" altLang="en-US" sz="1800" dirty="0" smtClean="0"/>
+              <a:t>特徵值</a:t>
+            </a:r>
+            <a:endParaRPr lang="en-US" altLang="zh-TW" sz="1800" dirty="0" smtClean="0"/>
+          </a:p>
+          <a:p>
+            <a:endParaRPr lang="en-US" altLang="zh-TW" sz="1800" dirty="0"/>
+          </a:p>
+          <a:p>
+            <a:r>
+              <a:rPr lang="zh-TW" altLang="en-US" sz="1800" dirty="0"/>
+              <a:t>其次呼叫 </a:t>
+            </a:r>
+            <a:r>
+              <a:rPr lang="en-US" altLang="zh-TW" sz="1800" dirty="0"/>
+              <a:t>Dense() </a:t>
+            </a:r>
+            <a:r>
+              <a:rPr lang="zh-TW" altLang="en-US" sz="1800" dirty="0"/>
+              <a:t>建立隱藏層</a:t>
+            </a:r>
+            <a:r>
+              <a:rPr lang="en-US" altLang="zh-TW" sz="1800" dirty="0"/>
+              <a:t>, </a:t>
+            </a:r>
+            <a:r>
+              <a:rPr lang="zh-TW" altLang="en-US" sz="1800" dirty="0"/>
+              <a:t>具有 </a:t>
+            </a:r>
+            <a:r>
+              <a:rPr lang="en-US" altLang="zh-TW" sz="1800" dirty="0"/>
+              <a:t>128 </a:t>
+            </a:r>
+            <a:r>
+              <a:rPr lang="zh-TW" altLang="en-US" sz="1800" dirty="0"/>
+              <a:t>個以 </a:t>
+            </a:r>
+            <a:r>
+              <a:rPr lang="en-US" altLang="zh-TW" sz="1800" dirty="0" err="1"/>
+              <a:t>ReLu</a:t>
+            </a:r>
+            <a:r>
+              <a:rPr lang="en-US" altLang="zh-TW" sz="1800" dirty="0"/>
+              <a:t> </a:t>
+            </a:r>
+            <a:r>
+              <a:rPr lang="zh-TW" altLang="en-US" sz="1800" dirty="0"/>
+              <a:t>為激活函數的神經元</a:t>
+            </a:r>
+            <a:r>
+              <a:rPr lang="en-US" altLang="zh-TW" sz="1800" dirty="0"/>
+              <a:t>. </a:t>
+            </a:r>
+            <a:r>
+              <a:rPr lang="zh-TW" altLang="en-US" sz="1800" dirty="0"/>
+              <a:t>同樣地為避免過擬合</a:t>
+            </a:r>
+            <a:r>
+              <a:rPr lang="en-US" altLang="zh-TW" sz="1800" dirty="0"/>
+              <a:t>, </a:t>
+            </a:r>
+            <a:r>
+              <a:rPr lang="zh-TW" altLang="en-US" sz="1800" dirty="0"/>
+              <a:t>在隱藏層後面會加上一個 </a:t>
+            </a:r>
+            <a:r>
+              <a:rPr lang="en-US" altLang="zh-TW" sz="1800" dirty="0"/>
+              <a:t>Dropout </a:t>
+            </a:r>
+            <a:r>
+              <a:rPr lang="zh-TW" altLang="en-US" sz="1800" dirty="0"/>
+              <a:t>層</a:t>
+            </a:r>
+            <a:r>
+              <a:rPr lang="en-US" altLang="zh-TW" sz="1800" dirty="0"/>
+              <a:t>, </a:t>
+            </a:r>
+            <a:r>
+              <a:rPr lang="zh-TW" altLang="en-US" sz="1800" dirty="0"/>
+              <a:t>此處設為 </a:t>
+            </a:r>
+            <a:r>
+              <a:rPr lang="en-US" altLang="zh-TW" sz="1800" dirty="0"/>
+              <a:t>0.5 </a:t>
+            </a:r>
+            <a:r>
+              <a:rPr lang="zh-TW" altLang="en-US" sz="1800" dirty="0"/>
+              <a:t>表示在每次訓練時會放棄 </a:t>
+            </a:r>
+            <a:r>
+              <a:rPr lang="en-US" altLang="zh-TW" sz="1800" dirty="0"/>
+              <a:t>50% </a:t>
+            </a:r>
+            <a:r>
+              <a:rPr lang="zh-TW" altLang="en-US" sz="1800" dirty="0"/>
+              <a:t>的</a:t>
+            </a:r>
+            <a:r>
+              <a:rPr lang="zh-TW" altLang="en-US" sz="1800" dirty="0" smtClean="0"/>
+              <a:t>神經元</a:t>
+            </a:r>
+            <a:endParaRPr lang="en-US" altLang="zh-TW" sz="1800" dirty="0" smtClean="0"/>
+          </a:p>
+          <a:p>
+            <a:endParaRPr lang="en-US" altLang="zh-TW" sz="1800" dirty="0"/>
+          </a:p>
+          <a:p>
+            <a:endParaRPr lang="en-US" altLang="zh-TW" sz="1800" dirty="0" smtClean="0"/>
+          </a:p>
+          <a:p>
+            <a:endParaRPr lang="en-US" altLang="zh-TW" sz="1800" dirty="0"/>
+          </a:p>
+          <a:p>
+            <a:r>
+              <a:rPr lang="zh-TW" altLang="en-US" sz="1800" dirty="0"/>
+              <a:t>最後呼叫 </a:t>
+            </a:r>
+            <a:r>
+              <a:rPr lang="en-US" altLang="zh-TW" sz="1800" dirty="0"/>
+              <a:t>Dense() </a:t>
+            </a:r>
+            <a:r>
+              <a:rPr lang="zh-TW" altLang="en-US" sz="1800" dirty="0"/>
+              <a:t>建立輸出層</a:t>
+            </a:r>
+            <a:r>
+              <a:rPr lang="en-US" altLang="zh-TW" sz="1800" dirty="0"/>
+              <a:t>, </a:t>
+            </a:r>
+            <a:r>
+              <a:rPr lang="zh-TW" altLang="en-US" sz="1800" dirty="0"/>
+              <a:t>具有 </a:t>
+            </a:r>
+            <a:r>
+              <a:rPr lang="en-US" altLang="zh-TW" sz="1800" dirty="0"/>
+              <a:t>10 </a:t>
+            </a:r>
+            <a:r>
+              <a:rPr lang="zh-TW" altLang="en-US" sz="1800" dirty="0"/>
+              <a:t>個以 </a:t>
+            </a:r>
+            <a:r>
+              <a:rPr lang="en-US" altLang="zh-TW" sz="1800" dirty="0" err="1"/>
+              <a:t>Softmax</a:t>
+            </a:r>
+            <a:r>
+              <a:rPr lang="en-US" altLang="zh-TW" sz="1800" dirty="0"/>
+              <a:t> </a:t>
+            </a:r>
+            <a:r>
+              <a:rPr lang="zh-TW" altLang="en-US" sz="1800" dirty="0"/>
+              <a:t>為激活函數之輸出神經元</a:t>
+            </a:r>
+            <a:r>
+              <a:rPr lang="en-US" altLang="zh-TW" sz="1800" dirty="0"/>
+              <a:t>, </a:t>
+            </a:r>
+            <a:r>
+              <a:rPr lang="zh-TW" altLang="en-US" sz="1800" dirty="0"/>
+              <a:t>其 </a:t>
+            </a:r>
+            <a:r>
+              <a:rPr lang="en-US" altLang="zh-TW" sz="1800" dirty="0"/>
+              <a:t>One-hot </a:t>
+            </a:r>
+            <a:r>
+              <a:rPr lang="zh-TW" altLang="en-US" sz="1800" dirty="0"/>
+              <a:t>的 </a:t>
+            </a:r>
+            <a:r>
+              <a:rPr lang="en-US" altLang="zh-TW" sz="1800" dirty="0"/>
+              <a:t>0/1 </a:t>
+            </a:r>
+            <a:r>
+              <a:rPr lang="zh-TW" altLang="en-US" sz="1800" dirty="0"/>
+              <a:t>輸出代表 </a:t>
+            </a:r>
+            <a:r>
+              <a:rPr lang="en-US" altLang="zh-TW" sz="1800" dirty="0"/>
+              <a:t>0~9 </a:t>
+            </a:r>
+            <a:r>
+              <a:rPr lang="zh-TW" altLang="en-US" sz="1800" dirty="0"/>
+              <a:t>之數字識別</a:t>
+            </a:r>
+            <a:r>
+              <a:rPr lang="zh-TW" altLang="en-US" sz="1800" dirty="0" smtClean="0"/>
+              <a:t>結果</a:t>
+            </a:r>
+            <a:endParaRPr lang="en-US" altLang="zh-TW" sz="1800" dirty="0" smtClean="0"/>
+          </a:p>
+          <a:p>
+            <a:endParaRPr lang="en-US" altLang="zh-TW" sz="1800" dirty="0"/>
+          </a:p>
+          <a:p>
+            <a:pPr lvl="1"/>
+            <a:r>
+              <a:rPr lang="en-US" altLang="zh-TW" sz="1200" i="1" dirty="0" err="1">
+                <a:solidFill>
+                  <a:schemeClr val="tx1">
+                    <a:lumMod val="75000"/>
+                    <a:lumOff val="25000"/>
+                  </a:schemeClr>
+                </a:solidFill>
+              </a:rPr>
+              <a:t>softmax</a:t>
+            </a:r>
+            <a:r>
+              <a:rPr lang="en-US" altLang="zh-TW" sz="1200" i="1" dirty="0">
+                <a:solidFill>
+                  <a:schemeClr val="tx1">
+                    <a:lumMod val="75000"/>
+                    <a:lumOff val="25000"/>
+                  </a:schemeClr>
+                </a:solidFill>
+              </a:rPr>
+              <a:t> </a:t>
+            </a:r>
+            <a:r>
+              <a:rPr lang="zh-TW" altLang="en-US" sz="1200" i="1" dirty="0">
+                <a:solidFill>
+                  <a:schemeClr val="tx1">
+                    <a:lumMod val="75000"/>
+                    <a:lumOff val="25000"/>
+                  </a:schemeClr>
+                </a:solidFill>
+              </a:rPr>
+              <a:t>函數將 </a:t>
+            </a:r>
+            <a:r>
+              <a:rPr lang="en-US" altLang="zh-TW" sz="1200" i="1" dirty="0">
+                <a:solidFill>
+                  <a:schemeClr val="tx1">
+                    <a:lumMod val="75000"/>
+                    <a:lumOff val="25000"/>
+                  </a:schemeClr>
+                </a:solidFill>
+              </a:rPr>
+              <a:t>K </a:t>
+            </a:r>
+            <a:r>
+              <a:rPr lang="zh-TW" altLang="en-US" sz="1200" i="1" dirty="0">
+                <a:solidFill>
+                  <a:schemeClr val="tx1">
+                    <a:lumMod val="75000"/>
+                    <a:lumOff val="25000"/>
+                  </a:schemeClr>
+                </a:solidFill>
+              </a:rPr>
+              <a:t>維的實數向量壓縮（映射）成另一個 </a:t>
+            </a:r>
+            <a:r>
+              <a:rPr lang="en-US" altLang="zh-TW" sz="1200" i="1" dirty="0">
+                <a:solidFill>
+                  <a:schemeClr val="tx1">
+                    <a:lumMod val="75000"/>
+                    <a:lumOff val="25000"/>
+                  </a:schemeClr>
+                </a:solidFill>
+              </a:rPr>
+              <a:t>K </a:t>
+            </a:r>
+            <a:r>
+              <a:rPr lang="zh-TW" altLang="en-US" sz="1200" i="1" dirty="0">
+                <a:solidFill>
+                  <a:schemeClr val="tx1">
+                    <a:lumMod val="75000"/>
+                    <a:lumOff val="25000"/>
+                  </a:schemeClr>
+                </a:solidFill>
+              </a:rPr>
+              <a:t>維的實數向量，其中向量中的每個元素取值都介於 </a:t>
+            </a:r>
+            <a:r>
+              <a:rPr lang="en-US" altLang="zh-TW" sz="1200" i="1" dirty="0">
+                <a:solidFill>
+                  <a:schemeClr val="tx1">
+                    <a:lumMod val="75000"/>
+                    <a:lumOff val="25000"/>
+                  </a:schemeClr>
+                </a:solidFill>
+              </a:rPr>
+              <a:t>(0</a:t>
+            </a:r>
+            <a:r>
+              <a:rPr lang="zh-TW" altLang="en-US" sz="1200" i="1" dirty="0">
+                <a:solidFill>
+                  <a:schemeClr val="tx1">
+                    <a:lumMod val="75000"/>
+                    <a:lumOff val="25000"/>
+                  </a:schemeClr>
+                </a:solidFill>
+              </a:rPr>
+              <a:t>，</a:t>
+            </a:r>
+            <a:r>
+              <a:rPr lang="en-US" altLang="zh-TW" sz="1200" i="1" dirty="0">
+                <a:solidFill>
+                  <a:schemeClr val="tx1">
+                    <a:lumMod val="75000"/>
+                    <a:lumOff val="25000"/>
+                  </a:schemeClr>
+                </a:solidFill>
+              </a:rPr>
+              <a:t>1) </a:t>
+            </a:r>
+            <a:r>
+              <a:rPr lang="zh-TW" altLang="en-US" sz="1200" i="1" dirty="0">
+                <a:solidFill>
+                  <a:schemeClr val="tx1">
+                    <a:lumMod val="75000"/>
+                    <a:lumOff val="25000"/>
+                  </a:schemeClr>
+                </a:solidFill>
+              </a:rPr>
+              <a:t>之間。常用於多分類問題</a:t>
+            </a:r>
+            <a:endParaRPr lang="en-US" altLang="zh-TW" sz="1200" i="1" dirty="0" smtClean="0">
+              <a:solidFill>
+                <a:schemeClr val="tx1">
+                  <a:lumMod val="75000"/>
+                  <a:lumOff val="25000"/>
+                </a:schemeClr>
+              </a:solidFill>
+            </a:endParaRPr>
+          </a:p>
+          <a:p>
+            <a:endParaRPr lang="en-US" altLang="zh-TW" sz="1800" dirty="0" smtClean="0"/>
+          </a:p>
+          <a:p>
+            <a:endParaRPr lang="en-US" altLang="zh-TW" sz="1800" dirty="0" smtClean="0"/>
+          </a:p>
+          <a:p>
+            <a:endParaRPr lang="zh-TW" altLang="en-US" sz="1800" dirty="0"/>
           </a:p>
         </p:txBody>
       </p:sp>
       <p:pic>
         <p:nvPicPr>
-          <p:cNvPr id="8194" name="Picture 2"/>
+          <p:cNvPr id="4" name="圖片 3"/>
           <p:cNvPicPr>
-            <a:picLocks noChangeAspect="1" noChangeArrowheads="1"/>
+            <a:picLocks noChangeAspect="1"/>
           </p:cNvPicPr>
           <p:nvPr/>
         </p:nvPicPr>
         <p:blipFill>
-          <a:blip r:embed="rId2">
-            <a:extLst>
-              <a:ext uri="{28A0092B-C50C-407E-A947-70E740481C1C}">
-                <a14:useLocalDpi xmlns:a14="http://schemas.microsoft.com/office/drawing/2010/main" val="0"/>
-              </a:ext>
-            </a:extLst>
-          </a:blip>
-          <a:srcRect/>
+          <a:blip r:embed="rId2"/>
           <a:stretch>
             <a:fillRect/>
           </a:stretch>
         </p:blipFill>
-        <p:spPr bwMode="auto">
+        <p:spPr>
           <a:xfrm>
-            <a:off x="528638" y="1556792"/>
-            <a:ext cx="8086725" cy="4829175"/>
+            <a:off x="571500" y="2492896"/>
+            <a:ext cx="8001000" cy="333375"/>
           </a:xfrm>
           <a:prstGeom prst="rect">
             <a:avLst/>
           </a:prstGeom>
-          <a:noFill/>
-          <a:ln>
-            <a:noFill/>
-          </a:ln>
-          <a:effectLst/>
-          <a:extLst>
-            <a:ext uri="{909E8E84-426E-40DD-AFC4-6F175D3DCCD1}">
-              <a14:hiddenFill xmlns:a14="http://schemas.microsoft.com/office/drawing/2010/main">
-                <a:solidFill>
-                  <a:schemeClr val="accent1"/>
-                </a:solidFill>
-              </a14:hiddenFill>
-            </a:ext>
-            <a:ext uri="{91240B29-F687-4F45-9708-019B960494DF}">
-              <a14:hiddenLine xmlns:a14="http://schemas.microsoft.com/office/drawing/2010/main" w="9525">
-                <a:solidFill>
-                  <a:schemeClr val="tx1"/>
-                </a:solidFill>
-                <a:miter lim="800000"/>
-                <a:headEnd/>
-                <a:tailEnd/>
-              </a14:hiddenLine>
-            </a:ext>
-            <a:ext uri="{AF507438-7753-43E0-B8FC-AC1667EBCBE1}">
-              <a14:hiddenEffects xmlns:a14="http://schemas.microsoft.com/office/drawing/2010/main">
-                <a:effectLst>
-                  <a:outerShdw dist="35921" dir="2700000" algn="ctr" rotWithShape="0">
-                    <a:schemeClr val="bg2"/>
-                  </a:outerShdw>
-                </a:effectLst>
-              </a14:hiddenEffects>
-            </a:ext>
-          </a:extLst>
+        </p:spPr>
+      </p:pic>
+      <p:pic>
+        <p:nvPicPr>
+          <p:cNvPr id="5" name="圖片 4"/>
+          <p:cNvPicPr>
+            <a:picLocks noChangeAspect="1"/>
+          </p:cNvPicPr>
+          <p:nvPr/>
+        </p:nvPicPr>
+        <p:blipFill>
+          <a:blip r:embed="rId3"/>
+          <a:stretch>
+            <a:fillRect/>
+          </a:stretch>
+        </p:blipFill>
+        <p:spPr>
+          <a:xfrm>
+            <a:off x="557212" y="3665587"/>
+            <a:ext cx="8029575" cy="771525"/>
+          </a:xfrm>
+          <a:prstGeom prst="rect">
+            <a:avLst/>
+          </a:prstGeom>
+        </p:spPr>
+      </p:pic>
+      <p:pic>
+        <p:nvPicPr>
+          <p:cNvPr id="6" name="圖片 5"/>
+          <p:cNvPicPr>
+            <a:picLocks noChangeAspect="1"/>
+          </p:cNvPicPr>
+          <p:nvPr/>
+        </p:nvPicPr>
+        <p:blipFill>
+          <a:blip r:embed="rId4"/>
+          <a:stretch>
+            <a:fillRect/>
+          </a:stretch>
+        </p:blipFill>
+        <p:spPr>
+          <a:xfrm>
+            <a:off x="561975" y="5276428"/>
+            <a:ext cx="8020050" cy="390525"/>
+          </a:xfrm>
+          <a:prstGeom prst="rect">
+            <a:avLst/>
+          </a:prstGeom>
         </p:spPr>
       </p:pic>
     </p:spTree>
     <p:extLst>
       <p:ext uri="{BB962C8B-B14F-4D97-AF65-F5344CB8AC3E}">
-        <p14:creationId xmlns:p14="http://schemas.microsoft.com/office/powerpoint/2010/main" val="427774625"/>
+        <p14:creationId xmlns:p14="http://schemas.microsoft.com/office/powerpoint/2010/main" val="2054756730"/>
       </p:ext>
     </p:extLst>
   </p:cSld>
